--- a/Assessment.pptx
+++ b/Assessment.pptx
@@ -9,6 +9,9 @@
     <p:sldId id="257" r:id="rId3"/>
     <p:sldId id="259" r:id="rId4"/>
     <p:sldId id="260" r:id="rId5"/>
+    <p:sldId id="261" r:id="rId6"/>
+    <p:sldId id="262" r:id="rId7"/>
+    <p:sldId id="263" r:id="rId8"/>
   </p:sldIdLst>
   <p:sldSz cx="12192000" cy="6858000"/>
   <p:notesSz cx="6858000" cy="9144000"/>
@@ -118,7 +121,7 @@
 <file path=ppt/revisionInfo.xml><?xml version="1.0" encoding="utf-8"?>
 <p1510:revInfo xmlns:a="http://schemas.openxmlformats.org/drawingml/2006/main" xmlns:r="http://schemas.openxmlformats.org/officeDocument/2006/relationships" xmlns:p1510="http://schemas.microsoft.com/office/powerpoint/2015/10/main">
   <p1510:revLst>
-    <p1510:client id="{2288368F-DE4B-405B-A7A7-4AFBEBD8F6A4}" v="1" dt="2024-01-08T13:18:54.260"/>
+    <p1510:client id="{2288368F-DE4B-405B-A7A7-4AFBEBD8F6A4}" v="7" dt="2024-01-09T11:50:13.463"/>
   </p1510:revLst>
 </p1510:revInfo>
 </file>
@@ -429,13 +432,13 @@
   </pc:docChgLst>
   <pc:docChgLst>
     <pc:chgData name="Elegushi, Quyoum Ademola" userId="9a08563a-63f0-4e24-9dc1-171258db8867" providerId="ADAL" clId="{2288368F-DE4B-405B-A7A7-4AFBEBD8F6A4}"/>
-    <pc:docChg chg="undo custSel delSld modSld sldOrd">
-      <pc:chgData name="Elegushi, Quyoum Ademola" userId="9a08563a-63f0-4e24-9dc1-171258db8867" providerId="ADAL" clId="{2288368F-DE4B-405B-A7A7-4AFBEBD8F6A4}" dt="2024-01-08T13:18:57.319" v="552" actId="478"/>
+    <pc:docChg chg="undo custSel addSld delSld modSld sldOrd">
+      <pc:chgData name="Elegushi, Quyoum Ademola" userId="9a08563a-63f0-4e24-9dc1-171258db8867" providerId="ADAL" clId="{2288368F-DE4B-405B-A7A7-4AFBEBD8F6A4}" dt="2024-01-09T12:01:39.354" v="1340" actId="20577"/>
       <pc:docMkLst>
         <pc:docMk/>
       </pc:docMkLst>
       <pc:sldChg chg="addSp delSp modSp mod modTransition setBg">
-        <pc:chgData name="Elegushi, Quyoum Ademola" userId="9a08563a-63f0-4e24-9dc1-171258db8867" providerId="ADAL" clId="{2288368F-DE4B-405B-A7A7-4AFBEBD8F6A4}" dt="2024-01-08T13:18:57.319" v="552" actId="478"/>
+        <pc:chgData name="Elegushi, Quyoum Ademola" userId="9a08563a-63f0-4e24-9dc1-171258db8867" providerId="ADAL" clId="{2288368F-DE4B-405B-A7A7-4AFBEBD8F6A4}" dt="2024-01-09T10:18:55.570" v="555" actId="20577"/>
         <pc:sldMkLst>
           <pc:docMk/>
           <pc:sldMk cId="1456813975" sldId="257"/>
@@ -481,7 +484,7 @@
           </ac:spMkLst>
         </pc:spChg>
         <pc:spChg chg="mod ord">
-          <ac:chgData name="Elegushi, Quyoum Ademola" userId="9a08563a-63f0-4e24-9dc1-171258db8867" providerId="ADAL" clId="{2288368F-DE4B-405B-A7A7-4AFBEBD8F6A4}" dt="2023-11-24T22:44:16.794" v="362" actId="20577"/>
+          <ac:chgData name="Elegushi, Quyoum Ademola" userId="9a08563a-63f0-4e24-9dc1-171258db8867" providerId="ADAL" clId="{2288368F-DE4B-405B-A7A7-4AFBEBD8F6A4}" dt="2024-01-09T10:18:55.570" v="555" actId="20577"/>
           <ac:spMkLst>
             <pc:docMk/>
             <pc:sldMk cId="1456813975" sldId="257"/>
@@ -1321,13 +1324,13 @@
         </pc:sldMkLst>
       </pc:sldChg>
       <pc:sldChg chg="addSp delSp modSp mod ord modTransition setBg">
-        <pc:chgData name="Elegushi, Quyoum Ademola" userId="9a08563a-63f0-4e24-9dc1-171258db8867" providerId="ADAL" clId="{2288368F-DE4B-405B-A7A7-4AFBEBD8F6A4}" dt="2023-11-25T20:22:25.392" v="548" actId="1076"/>
+        <pc:chgData name="Elegushi, Quyoum Ademola" userId="9a08563a-63f0-4e24-9dc1-171258db8867" providerId="ADAL" clId="{2288368F-DE4B-405B-A7A7-4AFBEBD8F6A4}" dt="2024-01-09T10:22:10.137" v="643" actId="20577"/>
         <pc:sldMkLst>
           <pc:docMk/>
           <pc:sldMk cId="2291046237" sldId="259"/>
         </pc:sldMkLst>
         <pc:spChg chg="mod ord">
-          <ac:chgData name="Elegushi, Quyoum Ademola" userId="9a08563a-63f0-4e24-9dc1-171258db8867" providerId="ADAL" clId="{2288368F-DE4B-405B-A7A7-4AFBEBD8F6A4}" dt="2023-11-24T22:44:58.883" v="377" actId="26606"/>
+          <ac:chgData name="Elegushi, Quyoum Ademola" userId="9a08563a-63f0-4e24-9dc1-171258db8867" providerId="ADAL" clId="{2288368F-DE4B-405B-A7A7-4AFBEBD8F6A4}" dt="2024-01-09T10:20:49.892" v="562" actId="26606"/>
           <ac:spMkLst>
             <pc:docMk/>
             <pc:sldMk cId="2291046237" sldId="259"/>
@@ -1342,8 +1345,16 @@
             <ac:spMk id="4" creationId="{7163B856-F76F-E5E3-BE5D-FECF0A7057CF}"/>
           </ac:spMkLst>
         </pc:spChg>
+        <pc:spChg chg="add del mod">
+          <ac:chgData name="Elegushi, Quyoum Ademola" userId="9a08563a-63f0-4e24-9dc1-171258db8867" providerId="ADAL" clId="{2288368F-DE4B-405B-A7A7-4AFBEBD8F6A4}" dt="2024-01-09T10:20:36.405" v="557"/>
+          <ac:spMkLst>
+            <pc:docMk/>
+            <pc:sldMk cId="2291046237" sldId="259"/>
+            <ac:spMk id="4" creationId="{7216ACE2-4AC4-DB0B-577A-01FEDCD44C3D}"/>
+          </ac:spMkLst>
+        </pc:spChg>
         <pc:spChg chg="mod ord">
-          <ac:chgData name="Elegushi, Quyoum Ademola" userId="9a08563a-63f0-4e24-9dc1-171258db8867" providerId="ADAL" clId="{2288368F-DE4B-405B-A7A7-4AFBEBD8F6A4}" dt="2023-11-24T22:45:56.099" v="387" actId="20577"/>
+          <ac:chgData name="Elegushi, Quyoum Ademola" userId="9a08563a-63f0-4e24-9dc1-171258db8867" providerId="ADAL" clId="{2288368F-DE4B-405B-A7A7-4AFBEBD8F6A4}" dt="2024-01-09T10:22:10.137" v="643" actId="20577"/>
           <ac:spMkLst>
             <pc:docMk/>
             <pc:sldMk cId="2291046237" sldId="259"/>
@@ -1486,28 +1497,44 @@
             <ac:spMk id="50" creationId="{2DAA6C16-BF9B-4A3E-BC70-EE6015D4F967}"/>
           </ac:spMkLst>
         </pc:spChg>
-        <pc:spChg chg="add">
-          <ac:chgData name="Elegushi, Quyoum Ademola" userId="9a08563a-63f0-4e24-9dc1-171258db8867" providerId="ADAL" clId="{2288368F-DE4B-405B-A7A7-4AFBEBD8F6A4}" dt="2023-11-24T22:44:58.883" v="377" actId="26606"/>
+        <pc:spChg chg="add del">
+          <ac:chgData name="Elegushi, Quyoum Ademola" userId="9a08563a-63f0-4e24-9dc1-171258db8867" providerId="ADAL" clId="{2288368F-DE4B-405B-A7A7-4AFBEBD8F6A4}" dt="2024-01-09T10:20:49.892" v="562" actId="26606"/>
           <ac:spMkLst>
             <pc:docMk/>
             <pc:sldMk cId="2291046237" sldId="259"/>
             <ac:spMk id="54" creationId="{B712E947-0734-45F9-9C4F-41114EC3A33E}"/>
           </ac:spMkLst>
         </pc:spChg>
-        <pc:spChg chg="add">
-          <ac:chgData name="Elegushi, Quyoum Ademola" userId="9a08563a-63f0-4e24-9dc1-171258db8867" providerId="ADAL" clId="{2288368F-DE4B-405B-A7A7-4AFBEBD8F6A4}" dt="2023-11-24T22:44:58.883" v="377" actId="26606"/>
+        <pc:spChg chg="add del">
+          <ac:chgData name="Elegushi, Quyoum Ademola" userId="9a08563a-63f0-4e24-9dc1-171258db8867" providerId="ADAL" clId="{2288368F-DE4B-405B-A7A7-4AFBEBD8F6A4}" dt="2024-01-09T10:20:49.892" v="562" actId="26606"/>
           <ac:spMkLst>
             <pc:docMk/>
             <pc:sldMk cId="2291046237" sldId="259"/>
             <ac:spMk id="55" creationId="{5A65989E-BBD5-44D7-AA86-7AFD5D46BBC0}"/>
           </ac:spMkLst>
         </pc:spChg>
-        <pc:spChg chg="add">
-          <ac:chgData name="Elegushi, Quyoum Ademola" userId="9a08563a-63f0-4e24-9dc1-171258db8867" providerId="ADAL" clId="{2288368F-DE4B-405B-A7A7-4AFBEBD8F6A4}" dt="2023-11-24T22:44:58.883" v="377" actId="26606"/>
+        <pc:spChg chg="add del">
+          <ac:chgData name="Elegushi, Quyoum Ademola" userId="9a08563a-63f0-4e24-9dc1-171258db8867" providerId="ADAL" clId="{2288368F-DE4B-405B-A7A7-4AFBEBD8F6A4}" dt="2024-01-09T10:20:49.892" v="562" actId="26606"/>
           <ac:spMkLst>
             <pc:docMk/>
             <pc:sldMk cId="2291046237" sldId="259"/>
             <ac:spMk id="56" creationId="{231A2881-D8D7-4A7D-ACA3-E9F849F853D8}"/>
+          </ac:spMkLst>
+        </pc:spChg>
+        <pc:spChg chg="add">
+          <ac:chgData name="Elegushi, Quyoum Ademola" userId="9a08563a-63f0-4e24-9dc1-171258db8867" providerId="ADAL" clId="{2288368F-DE4B-405B-A7A7-4AFBEBD8F6A4}" dt="2024-01-09T10:20:49.892" v="562" actId="26606"/>
+          <ac:spMkLst>
+            <pc:docMk/>
+            <pc:sldMk cId="2291046237" sldId="259"/>
+            <ac:spMk id="61" creationId="{04812C46-200A-4DEB-A05E-3ED6C68C2387}"/>
+          </ac:spMkLst>
+        </pc:spChg>
+        <pc:spChg chg="add">
+          <ac:chgData name="Elegushi, Quyoum Ademola" userId="9a08563a-63f0-4e24-9dc1-171258db8867" providerId="ADAL" clId="{2288368F-DE4B-405B-A7A7-4AFBEBD8F6A4}" dt="2024-01-09T10:20:49.892" v="562" actId="26606"/>
+          <ac:spMkLst>
+            <pc:docMk/>
+            <pc:sldMk cId="2291046237" sldId="259"/>
+            <ac:spMk id="63" creationId="{D1EA859B-E555-4109-94F3-6700E046E008}"/>
           </ac:spMkLst>
         </pc:spChg>
         <pc:grpChg chg="add del">
@@ -1542,12 +1569,20 @@
             <ac:grpSpMk id="51" creationId="{A4AE1828-51FD-4AD7-BCF6-9AF5C696CE5D}"/>
           </ac:grpSpMkLst>
         </pc:grpChg>
-        <pc:picChg chg="add mod ord">
-          <ac:chgData name="Elegushi, Quyoum Ademola" userId="9a08563a-63f0-4e24-9dc1-171258db8867" providerId="ADAL" clId="{2288368F-DE4B-405B-A7A7-4AFBEBD8F6A4}" dt="2023-11-25T20:22:25.392" v="548" actId="1076"/>
+        <pc:picChg chg="add del mod ord">
+          <ac:chgData name="Elegushi, Quyoum Ademola" userId="9a08563a-63f0-4e24-9dc1-171258db8867" providerId="ADAL" clId="{2288368F-DE4B-405B-A7A7-4AFBEBD8F6A4}" dt="2024-01-09T10:19:02.097" v="556" actId="478"/>
           <ac:picMkLst>
             <pc:docMk/>
             <pc:sldMk cId="2291046237" sldId="259"/>
             <ac:picMk id="5" creationId="{A933A47A-9EA3-34DB-5B95-7FDB3B1A83FE}"/>
+          </ac:picMkLst>
+        </pc:picChg>
+        <pc:picChg chg="add mod ord">
+          <ac:chgData name="Elegushi, Quyoum Ademola" userId="9a08563a-63f0-4e24-9dc1-171258db8867" providerId="ADAL" clId="{2288368F-DE4B-405B-A7A7-4AFBEBD8F6A4}" dt="2024-01-09T10:20:49.892" v="562" actId="26606"/>
+          <ac:picMkLst>
+            <pc:docMk/>
+            <pc:sldMk cId="2291046237" sldId="259"/>
+            <ac:picMk id="7" creationId="{5A035B4D-7E0D-7BEB-1F1D-7494EEACBBEA}"/>
           </ac:picMkLst>
         </pc:picChg>
         <pc:picChg chg="add mod ord">
@@ -1574,6 +1609,417 @@
             <ac:picMk id="30" creationId="{4A599609-F5C2-4A0B-A992-913F814A631A}"/>
           </ac:picMkLst>
         </pc:picChg>
+      </pc:sldChg>
+      <pc:sldChg chg="addSp delSp modSp mod setBg">
+        <pc:chgData name="Elegushi, Quyoum Ademola" userId="9a08563a-63f0-4e24-9dc1-171258db8867" providerId="ADAL" clId="{2288368F-DE4B-405B-A7A7-4AFBEBD8F6A4}" dt="2024-01-09T10:35:30.261" v="840" actId="20577"/>
+        <pc:sldMkLst>
+          <pc:docMk/>
+          <pc:sldMk cId="693924984" sldId="260"/>
+        </pc:sldMkLst>
+        <pc:spChg chg="mod ord">
+          <ac:chgData name="Elegushi, Quyoum Ademola" userId="9a08563a-63f0-4e24-9dc1-171258db8867" providerId="ADAL" clId="{2288368F-DE4B-405B-A7A7-4AFBEBD8F6A4}" dt="2024-01-09T10:30:46.300" v="663" actId="26606"/>
+          <ac:spMkLst>
+            <pc:docMk/>
+            <pc:sldMk cId="693924984" sldId="260"/>
+            <ac:spMk id="2" creationId="{9D80A4D5-B128-4A8F-8F2C-1645967C634F}"/>
+          </ac:spMkLst>
+        </pc:spChg>
+        <pc:spChg chg="del">
+          <ac:chgData name="Elegushi, Quyoum Ademola" userId="9a08563a-63f0-4e24-9dc1-171258db8867" providerId="ADAL" clId="{2288368F-DE4B-405B-A7A7-4AFBEBD8F6A4}" dt="2024-01-09T10:30:35.318" v="658" actId="931"/>
+          <ac:spMkLst>
+            <pc:docMk/>
+            <pc:sldMk cId="693924984" sldId="260"/>
+            <ac:spMk id="3" creationId="{9EACC3E7-DA7E-485F-8592-A70E6AB0090E}"/>
+          </ac:spMkLst>
+        </pc:spChg>
+        <pc:spChg chg="add mod">
+          <ac:chgData name="Elegushi, Quyoum Ademola" userId="9a08563a-63f0-4e24-9dc1-171258db8867" providerId="ADAL" clId="{2288368F-DE4B-405B-A7A7-4AFBEBD8F6A4}" dt="2024-01-09T10:35:30.261" v="840" actId="20577"/>
+          <ac:spMkLst>
+            <pc:docMk/>
+            <pc:sldMk cId="693924984" sldId="260"/>
+            <ac:spMk id="9" creationId="{E038C6E4-B8F4-7347-EB59-1ACD38E7B991}"/>
+          </ac:spMkLst>
+        </pc:spChg>
+        <pc:spChg chg="add">
+          <ac:chgData name="Elegushi, Quyoum Ademola" userId="9a08563a-63f0-4e24-9dc1-171258db8867" providerId="ADAL" clId="{2288368F-DE4B-405B-A7A7-4AFBEBD8F6A4}" dt="2024-01-09T10:30:46.300" v="663" actId="26606"/>
+          <ac:spMkLst>
+            <pc:docMk/>
+            <pc:sldMk cId="693924984" sldId="260"/>
+            <ac:spMk id="12" creationId="{9AA72BD9-2C5A-4EDC-931F-5AA08EACA0F3}"/>
+          </ac:spMkLst>
+        </pc:spChg>
+        <pc:spChg chg="add">
+          <ac:chgData name="Elegushi, Quyoum Ademola" userId="9a08563a-63f0-4e24-9dc1-171258db8867" providerId="ADAL" clId="{2288368F-DE4B-405B-A7A7-4AFBEBD8F6A4}" dt="2024-01-09T10:30:46.300" v="663" actId="26606"/>
+          <ac:spMkLst>
+            <pc:docMk/>
+            <pc:sldMk cId="693924984" sldId="260"/>
+            <ac:spMk id="14" creationId="{DD3981AC-7B61-4947-BCF3-F7AA7FA385B9}"/>
+          </ac:spMkLst>
+        </pc:spChg>
+        <pc:spChg chg="add">
+          <ac:chgData name="Elegushi, Quyoum Ademola" userId="9a08563a-63f0-4e24-9dc1-171258db8867" providerId="ADAL" clId="{2288368F-DE4B-405B-A7A7-4AFBEBD8F6A4}" dt="2024-01-09T10:30:46.300" v="663" actId="26606"/>
+          <ac:spMkLst>
+            <pc:docMk/>
+            <pc:sldMk cId="693924984" sldId="260"/>
+            <ac:spMk id="16" creationId="{55D4142C-5077-457F-A6AD-3FECFDB39685}"/>
+          </ac:spMkLst>
+        </pc:spChg>
+        <pc:spChg chg="add">
+          <ac:chgData name="Elegushi, Quyoum Ademola" userId="9a08563a-63f0-4e24-9dc1-171258db8867" providerId="ADAL" clId="{2288368F-DE4B-405B-A7A7-4AFBEBD8F6A4}" dt="2024-01-09T10:30:46.300" v="663" actId="26606"/>
+          <ac:spMkLst>
+            <pc:docMk/>
+            <pc:sldMk cId="693924984" sldId="260"/>
+            <ac:spMk id="18" creationId="{7A5F0580-5EE9-419F-96EE-B6529EF6E7D0}"/>
+          </ac:spMkLst>
+        </pc:spChg>
+        <pc:picChg chg="add mod">
+          <ac:chgData name="Elegushi, Quyoum Ademola" userId="9a08563a-63f0-4e24-9dc1-171258db8867" providerId="ADAL" clId="{2288368F-DE4B-405B-A7A7-4AFBEBD8F6A4}" dt="2024-01-09T10:30:46.300" v="663" actId="26606"/>
+          <ac:picMkLst>
+            <pc:docMk/>
+            <pc:sldMk cId="693924984" sldId="260"/>
+            <ac:picMk id="5" creationId="{4315F40B-4744-ABC7-819E-C0735B9ED370}"/>
+          </ac:picMkLst>
+        </pc:picChg>
+      </pc:sldChg>
+      <pc:sldChg chg="addSp delSp modSp new mod setBg">
+        <pc:chgData name="Elegushi, Quyoum Ademola" userId="9a08563a-63f0-4e24-9dc1-171258db8867" providerId="ADAL" clId="{2288368F-DE4B-405B-A7A7-4AFBEBD8F6A4}" dt="2024-01-09T11:50:02.965" v="1020" actId="20577"/>
+        <pc:sldMkLst>
+          <pc:docMk/>
+          <pc:sldMk cId="788304135" sldId="261"/>
+        </pc:sldMkLst>
+        <pc:spChg chg="mod ord">
+          <ac:chgData name="Elegushi, Quyoum Ademola" userId="9a08563a-63f0-4e24-9dc1-171258db8867" providerId="ADAL" clId="{2288368F-DE4B-405B-A7A7-4AFBEBD8F6A4}" dt="2024-01-09T11:50:02.965" v="1020" actId="20577"/>
+          <ac:spMkLst>
+            <pc:docMk/>
+            <pc:sldMk cId="788304135" sldId="261"/>
+            <ac:spMk id="2" creationId="{9327F0FE-964A-4551-79FD-C8561AD6A7DA}"/>
+          </ac:spMkLst>
+        </pc:spChg>
+        <pc:spChg chg="del">
+          <ac:chgData name="Elegushi, Quyoum Ademola" userId="9a08563a-63f0-4e24-9dc1-171258db8867" providerId="ADAL" clId="{2288368F-DE4B-405B-A7A7-4AFBEBD8F6A4}" dt="2024-01-09T10:38:32.446" v="867" actId="931"/>
+          <ac:spMkLst>
+            <pc:docMk/>
+            <pc:sldMk cId="788304135" sldId="261"/>
+            <ac:spMk id="3" creationId="{0C0E1AD6-5FA5-F05C-4482-409121E25AE3}"/>
+          </ac:spMkLst>
+        </pc:spChg>
+        <pc:spChg chg="add del">
+          <ac:chgData name="Elegushi, Quyoum Ademola" userId="9a08563a-63f0-4e24-9dc1-171258db8867" providerId="ADAL" clId="{2288368F-DE4B-405B-A7A7-4AFBEBD8F6A4}" dt="2024-01-09T10:38:58.950" v="874" actId="26606"/>
+          <ac:spMkLst>
+            <pc:docMk/>
+            <pc:sldMk cId="788304135" sldId="261"/>
+            <ac:spMk id="9" creationId="{F9592EB6-BB9B-E008-C46E-56EA1AECB974}"/>
+          </ac:spMkLst>
+        </pc:spChg>
+        <pc:spChg chg="add del">
+          <ac:chgData name="Elegushi, Quyoum Ademola" userId="9a08563a-63f0-4e24-9dc1-171258db8867" providerId="ADAL" clId="{2288368F-DE4B-405B-A7A7-4AFBEBD8F6A4}" dt="2024-01-09T10:38:57.223" v="872" actId="26606"/>
+          <ac:spMkLst>
+            <pc:docMk/>
+            <pc:sldMk cId="788304135" sldId="261"/>
+            <ac:spMk id="10" creationId="{D4771268-CB57-404A-9271-370EB28F6090}"/>
+          </ac:spMkLst>
+        </pc:spChg>
+        <pc:spChg chg="add del">
+          <ac:chgData name="Elegushi, Quyoum Ademola" userId="9a08563a-63f0-4e24-9dc1-171258db8867" providerId="ADAL" clId="{2288368F-DE4B-405B-A7A7-4AFBEBD8F6A4}" dt="2024-01-09T10:38:58.950" v="874" actId="26606"/>
+          <ac:spMkLst>
+            <pc:docMk/>
+            <pc:sldMk cId="788304135" sldId="261"/>
+            <ac:spMk id="12" creationId="{E8A8EAB8-D2FF-444D-B34B-7D32F106AD0E}"/>
+          </ac:spMkLst>
+        </pc:spChg>
+        <pc:spChg chg="add del">
+          <ac:chgData name="Elegushi, Quyoum Ademola" userId="9a08563a-63f0-4e24-9dc1-171258db8867" providerId="ADAL" clId="{2288368F-DE4B-405B-A7A7-4AFBEBD8F6A4}" dt="2024-01-09T10:38:58.950" v="874" actId="26606"/>
+          <ac:spMkLst>
+            <pc:docMk/>
+            <pc:sldMk cId="788304135" sldId="261"/>
+            <ac:spMk id="14" creationId="{9DD005C1-8C51-42D6-9BEE-B9B83849743D}"/>
+          </ac:spMkLst>
+        </pc:spChg>
+        <pc:spChg chg="add del">
+          <ac:chgData name="Elegushi, Quyoum Ademola" userId="9a08563a-63f0-4e24-9dc1-171258db8867" providerId="ADAL" clId="{2288368F-DE4B-405B-A7A7-4AFBEBD8F6A4}" dt="2024-01-09T10:38:58.950" v="874" actId="26606"/>
+          <ac:spMkLst>
+            <pc:docMk/>
+            <pc:sldMk cId="788304135" sldId="261"/>
+            <ac:spMk id="16" creationId="{C61F2F60-14E3-4196-B7CE-175E46F04481}"/>
+          </ac:spMkLst>
+        </pc:spChg>
+        <pc:spChg chg="add del">
+          <ac:chgData name="Elegushi, Quyoum Ademola" userId="9a08563a-63f0-4e24-9dc1-171258db8867" providerId="ADAL" clId="{2288368F-DE4B-405B-A7A7-4AFBEBD8F6A4}" dt="2024-01-09T10:39:02.467" v="876" actId="26606"/>
+          <ac:spMkLst>
+            <pc:docMk/>
+            <pc:sldMk cId="788304135" sldId="261"/>
+            <ac:spMk id="18" creationId="{D4771268-CB57-404A-9271-370EB28F6090}"/>
+          </ac:spMkLst>
+        </pc:spChg>
+        <pc:spChg chg="add del">
+          <ac:chgData name="Elegushi, Quyoum Ademola" userId="9a08563a-63f0-4e24-9dc1-171258db8867" providerId="ADAL" clId="{2288368F-DE4B-405B-A7A7-4AFBEBD8F6A4}" dt="2024-01-09T10:39:03.362" v="878" actId="26606"/>
+          <ac:spMkLst>
+            <pc:docMk/>
+            <pc:sldMk cId="788304135" sldId="261"/>
+            <ac:spMk id="20" creationId="{9AA72BD9-2C5A-4EDC-931F-5AA08EACA0F3}"/>
+          </ac:spMkLst>
+        </pc:spChg>
+        <pc:spChg chg="add del">
+          <ac:chgData name="Elegushi, Quyoum Ademola" userId="9a08563a-63f0-4e24-9dc1-171258db8867" providerId="ADAL" clId="{2288368F-DE4B-405B-A7A7-4AFBEBD8F6A4}" dt="2024-01-09T10:39:03.362" v="878" actId="26606"/>
+          <ac:spMkLst>
+            <pc:docMk/>
+            <pc:sldMk cId="788304135" sldId="261"/>
+            <ac:spMk id="21" creationId="{DD3981AC-7B61-4947-BCF3-F7AA7FA385B9}"/>
+          </ac:spMkLst>
+        </pc:spChg>
+        <pc:spChg chg="add del">
+          <ac:chgData name="Elegushi, Quyoum Ademola" userId="9a08563a-63f0-4e24-9dc1-171258db8867" providerId="ADAL" clId="{2288368F-DE4B-405B-A7A7-4AFBEBD8F6A4}" dt="2024-01-09T10:39:03.362" v="878" actId="26606"/>
+          <ac:spMkLst>
+            <pc:docMk/>
+            <pc:sldMk cId="788304135" sldId="261"/>
+            <ac:spMk id="22" creationId="{55D4142C-5077-457F-A6AD-3FECFDB39685}"/>
+          </ac:spMkLst>
+        </pc:spChg>
+        <pc:spChg chg="add del">
+          <ac:chgData name="Elegushi, Quyoum Ademola" userId="9a08563a-63f0-4e24-9dc1-171258db8867" providerId="ADAL" clId="{2288368F-DE4B-405B-A7A7-4AFBEBD8F6A4}" dt="2024-01-09T10:39:03.362" v="878" actId="26606"/>
+          <ac:spMkLst>
+            <pc:docMk/>
+            <pc:sldMk cId="788304135" sldId="261"/>
+            <ac:spMk id="23" creationId="{7A5F0580-5EE9-419F-96EE-B6529EF6E7D0}"/>
+          </ac:spMkLst>
+        </pc:spChg>
+        <pc:spChg chg="add del">
+          <ac:chgData name="Elegushi, Quyoum Ademola" userId="9a08563a-63f0-4e24-9dc1-171258db8867" providerId="ADAL" clId="{2288368F-DE4B-405B-A7A7-4AFBEBD8F6A4}" dt="2024-01-09T10:39:03.362" v="878" actId="26606"/>
+          <ac:spMkLst>
+            <pc:docMk/>
+            <pc:sldMk cId="788304135" sldId="261"/>
+            <ac:spMk id="24" creationId="{0896FABC-B9B6-B07A-9DF7-BEE647A78D3F}"/>
+          </ac:spMkLst>
+        </pc:spChg>
+        <pc:spChg chg="add del">
+          <ac:chgData name="Elegushi, Quyoum Ademola" userId="9a08563a-63f0-4e24-9dc1-171258db8867" providerId="ADAL" clId="{2288368F-DE4B-405B-A7A7-4AFBEBD8F6A4}" dt="2024-01-09T10:41:23.352" v="881" actId="26606"/>
+          <ac:spMkLst>
+            <pc:docMk/>
+            <pc:sldMk cId="788304135" sldId="261"/>
+            <ac:spMk id="26" creationId="{D4771268-CB57-404A-9271-370EB28F6090}"/>
+          </ac:spMkLst>
+        </pc:spChg>
+        <pc:spChg chg="add mod">
+          <ac:chgData name="Elegushi, Quyoum Ademola" userId="9a08563a-63f0-4e24-9dc1-171258db8867" providerId="ADAL" clId="{2288368F-DE4B-405B-A7A7-4AFBEBD8F6A4}" dt="2024-01-09T11:28:36.130" v="975" actId="20577"/>
+          <ac:spMkLst>
+            <pc:docMk/>
+            <pc:sldMk cId="788304135" sldId="261"/>
+            <ac:spMk id="30" creationId="{A48AC37A-CBA7-168D-CC24-2B04C59F8068}"/>
+          </ac:spMkLst>
+        </pc:spChg>
+        <pc:spChg chg="add">
+          <ac:chgData name="Elegushi, Quyoum Ademola" userId="9a08563a-63f0-4e24-9dc1-171258db8867" providerId="ADAL" clId="{2288368F-DE4B-405B-A7A7-4AFBEBD8F6A4}" dt="2024-01-09T10:41:23.352" v="881" actId="26606"/>
+          <ac:spMkLst>
+            <pc:docMk/>
+            <pc:sldMk cId="788304135" sldId="261"/>
+            <ac:spMk id="33" creationId="{2172A0AC-3DCE-4672-BCAF-28FEF91F6020}"/>
+          </ac:spMkLst>
+        </pc:spChg>
+        <pc:spChg chg="add">
+          <ac:chgData name="Elegushi, Quyoum Ademola" userId="9a08563a-63f0-4e24-9dc1-171258db8867" providerId="ADAL" clId="{2288368F-DE4B-405B-A7A7-4AFBEBD8F6A4}" dt="2024-01-09T10:41:23.352" v="881" actId="26606"/>
+          <ac:spMkLst>
+            <pc:docMk/>
+            <pc:sldMk cId="788304135" sldId="261"/>
+            <ac:spMk id="35" creationId="{AE6F1C77-EDC9-4C5F-8C1C-62DD46BDA3C3}"/>
+          </ac:spMkLst>
+        </pc:spChg>
+        <pc:picChg chg="add mod">
+          <ac:chgData name="Elegushi, Quyoum Ademola" userId="9a08563a-63f0-4e24-9dc1-171258db8867" providerId="ADAL" clId="{2288368F-DE4B-405B-A7A7-4AFBEBD8F6A4}" dt="2024-01-09T10:41:23.352" v="881" actId="26606"/>
+          <ac:picMkLst>
+            <pc:docMk/>
+            <pc:sldMk cId="788304135" sldId="261"/>
+            <ac:picMk id="5" creationId="{DB80DE5D-E4B7-9D49-70A4-DD0F451DE50A}"/>
+          </ac:picMkLst>
+        </pc:picChg>
+        <pc:picChg chg="add mod ord">
+          <ac:chgData name="Elegushi, Quyoum Ademola" userId="9a08563a-63f0-4e24-9dc1-171258db8867" providerId="ADAL" clId="{2288368F-DE4B-405B-A7A7-4AFBEBD8F6A4}" dt="2024-01-09T10:41:23.352" v="881" actId="26606"/>
+          <ac:picMkLst>
+            <pc:docMk/>
+            <pc:sldMk cId="788304135" sldId="261"/>
+            <ac:picMk id="7" creationId="{317F4B0B-A709-37F3-6A62-6CC18B8F15F9}"/>
+          </ac:picMkLst>
+        </pc:picChg>
+      </pc:sldChg>
+      <pc:sldChg chg="addSp delSp modSp new del mod setBg">
+        <pc:chgData name="Elegushi, Quyoum Ademola" userId="9a08563a-63f0-4e24-9dc1-171258db8867" providerId="ADAL" clId="{2288368F-DE4B-405B-A7A7-4AFBEBD8F6A4}" dt="2024-01-09T11:49:52.491" v="1007" actId="2696"/>
+        <pc:sldMkLst>
+          <pc:docMk/>
+          <pc:sldMk cId="4105680414" sldId="262"/>
+        </pc:sldMkLst>
+        <pc:spChg chg="mod ord">
+          <ac:chgData name="Elegushi, Quyoum Ademola" userId="9a08563a-63f0-4e24-9dc1-171258db8867" providerId="ADAL" clId="{2288368F-DE4B-405B-A7A7-4AFBEBD8F6A4}" dt="2024-01-09T11:48:56.690" v="1005" actId="26606"/>
+          <ac:spMkLst>
+            <pc:docMk/>
+            <pc:sldMk cId="4105680414" sldId="262"/>
+            <ac:spMk id="2" creationId="{457B0156-1283-B628-60AF-7A721E95E323}"/>
+          </ac:spMkLst>
+        </pc:spChg>
+        <pc:spChg chg="del">
+          <ac:chgData name="Elegushi, Quyoum Ademola" userId="9a08563a-63f0-4e24-9dc1-171258db8867" providerId="ADAL" clId="{2288368F-DE4B-405B-A7A7-4AFBEBD8F6A4}" dt="2024-01-09T11:29:31.832" v="988"/>
+          <ac:spMkLst>
+            <pc:docMk/>
+            <pc:sldMk cId="4105680414" sldId="262"/>
+            <ac:spMk id="3" creationId="{1D2FBC01-39CE-6B44-7005-DCEC1C8BB3D2}"/>
+          </ac:spMkLst>
+        </pc:spChg>
+        <pc:spChg chg="add">
+          <ac:chgData name="Elegushi, Quyoum Ademola" userId="9a08563a-63f0-4e24-9dc1-171258db8867" providerId="ADAL" clId="{2288368F-DE4B-405B-A7A7-4AFBEBD8F6A4}" dt="2024-01-09T11:48:56.690" v="1005" actId="26606"/>
+          <ac:spMkLst>
+            <pc:docMk/>
+            <pc:sldMk cId="4105680414" sldId="262"/>
+            <ac:spMk id="11" creationId="{9BC3264B-9274-A883-7AD9-96830708DFB5}"/>
+          </ac:spMkLst>
+        </pc:spChg>
+        <pc:spChg chg="add del">
+          <ac:chgData name="Elegushi, Quyoum Ademola" userId="9a08563a-63f0-4e24-9dc1-171258db8867" providerId="ADAL" clId="{2288368F-DE4B-405B-A7A7-4AFBEBD8F6A4}" dt="2024-01-09T11:37:09.641" v="1000" actId="26606"/>
+          <ac:spMkLst>
+            <pc:docMk/>
+            <pc:sldMk cId="4105680414" sldId="262"/>
+            <ac:spMk id="12" creationId="{4D4677D2-D5AC-4CF9-9EED-2B89D0A1C212}"/>
+          </ac:spMkLst>
+        </pc:spChg>
+        <pc:spChg chg="add del">
+          <ac:chgData name="Elegushi, Quyoum Ademola" userId="9a08563a-63f0-4e24-9dc1-171258db8867" providerId="ADAL" clId="{2288368F-DE4B-405B-A7A7-4AFBEBD8F6A4}" dt="2024-01-09T11:37:09.641" v="1000" actId="26606"/>
+          <ac:spMkLst>
+            <pc:docMk/>
+            <pc:sldMk cId="4105680414" sldId="262"/>
+            <ac:spMk id="14" creationId="{AF695F69-7001-421E-98A8-E74156934A51}"/>
+          </ac:spMkLst>
+        </pc:spChg>
+        <pc:spChg chg="add del">
+          <ac:chgData name="Elegushi, Quyoum Ademola" userId="9a08563a-63f0-4e24-9dc1-171258db8867" providerId="ADAL" clId="{2288368F-DE4B-405B-A7A7-4AFBEBD8F6A4}" dt="2024-01-09T11:48:50.243" v="1002" actId="26606"/>
+          <ac:spMkLst>
+            <pc:docMk/>
+            <pc:sldMk cId="4105680414" sldId="262"/>
+            <ac:spMk id="16" creationId="{CAB6D7AF-734C-43E5-AE74-E8EC5D462582}"/>
+          </ac:spMkLst>
+        </pc:spChg>
+        <pc:spChg chg="add del">
+          <ac:chgData name="Elegushi, Quyoum Ademola" userId="9a08563a-63f0-4e24-9dc1-171258db8867" providerId="ADAL" clId="{2288368F-DE4B-405B-A7A7-4AFBEBD8F6A4}" dt="2024-01-09T11:48:50.243" v="1002" actId="26606"/>
+          <ac:spMkLst>
+            <pc:docMk/>
+            <pc:sldMk cId="4105680414" sldId="262"/>
+            <ac:spMk id="17" creationId="{36830A5B-65B2-40C0-80F8-67EFC8A6B03B}"/>
+          </ac:spMkLst>
+        </pc:spChg>
+        <pc:spChg chg="add del">
+          <ac:chgData name="Elegushi, Quyoum Ademola" userId="9a08563a-63f0-4e24-9dc1-171258db8867" providerId="ADAL" clId="{2288368F-DE4B-405B-A7A7-4AFBEBD8F6A4}" dt="2024-01-09T11:48:56.685" v="1004" actId="26606"/>
+          <ac:spMkLst>
+            <pc:docMk/>
+            <pc:sldMk cId="4105680414" sldId="262"/>
+            <ac:spMk id="19" creationId="{4D4677D2-D5AC-4CF9-9EED-2B89D0A1C212}"/>
+          </ac:spMkLst>
+        </pc:spChg>
+        <pc:spChg chg="add del">
+          <ac:chgData name="Elegushi, Quyoum Ademola" userId="9a08563a-63f0-4e24-9dc1-171258db8867" providerId="ADAL" clId="{2288368F-DE4B-405B-A7A7-4AFBEBD8F6A4}" dt="2024-01-09T11:48:56.685" v="1004" actId="26606"/>
+          <ac:spMkLst>
+            <pc:docMk/>
+            <pc:sldMk cId="4105680414" sldId="262"/>
+            <ac:spMk id="20" creationId="{AF695F69-7001-421E-98A8-E74156934A51}"/>
+          </ac:spMkLst>
+        </pc:spChg>
+        <pc:spChg chg="add">
+          <ac:chgData name="Elegushi, Quyoum Ademola" userId="9a08563a-63f0-4e24-9dc1-171258db8867" providerId="ADAL" clId="{2288368F-DE4B-405B-A7A7-4AFBEBD8F6A4}" dt="2024-01-09T11:48:56.690" v="1005" actId="26606"/>
+          <ac:spMkLst>
+            <pc:docMk/>
+            <pc:sldMk cId="4105680414" sldId="262"/>
+            <ac:spMk id="22" creationId="{2172A0AC-3DCE-4672-BCAF-28FEF91F6020}"/>
+          </ac:spMkLst>
+        </pc:spChg>
+        <pc:spChg chg="add">
+          <ac:chgData name="Elegushi, Quyoum Ademola" userId="9a08563a-63f0-4e24-9dc1-171258db8867" providerId="ADAL" clId="{2288368F-DE4B-405B-A7A7-4AFBEBD8F6A4}" dt="2024-01-09T11:48:56.690" v="1005" actId="26606"/>
+          <ac:spMkLst>
+            <pc:docMk/>
+            <pc:sldMk cId="4105680414" sldId="262"/>
+            <ac:spMk id="23" creationId="{AE6F1C77-EDC9-4C5F-8C1C-62DD46BDA3C3}"/>
+          </ac:spMkLst>
+        </pc:spChg>
+        <pc:picChg chg="add mod">
+          <ac:chgData name="Elegushi, Quyoum Ademola" userId="9a08563a-63f0-4e24-9dc1-171258db8867" providerId="ADAL" clId="{2288368F-DE4B-405B-A7A7-4AFBEBD8F6A4}" dt="2024-01-09T11:49:05.369" v="1006" actId="1076"/>
+          <ac:picMkLst>
+            <pc:docMk/>
+            <pc:sldMk cId="4105680414" sldId="262"/>
+            <ac:picMk id="5" creationId="{EAC6F93D-5D57-4CD1-1421-D2F76B1B2509}"/>
+          </ac:picMkLst>
+        </pc:picChg>
+        <pc:picChg chg="add mod ord">
+          <ac:chgData name="Elegushi, Quyoum Ademola" userId="9a08563a-63f0-4e24-9dc1-171258db8867" providerId="ADAL" clId="{2288368F-DE4B-405B-A7A7-4AFBEBD8F6A4}" dt="2024-01-09T11:48:56.690" v="1005" actId="26606"/>
+          <ac:picMkLst>
+            <pc:docMk/>
+            <pc:sldMk cId="4105680414" sldId="262"/>
+            <ac:picMk id="7" creationId="{ACA847F6-DC92-16ED-DC9A-64E8F973B314}"/>
+          </ac:picMkLst>
+        </pc:picChg>
+      </pc:sldChg>
+      <pc:sldChg chg="addSp delSp modSp new mod setBg">
+        <pc:chgData name="Elegushi, Quyoum Ademola" userId="9a08563a-63f0-4e24-9dc1-171258db8867" providerId="ADAL" clId="{2288368F-DE4B-405B-A7A7-4AFBEBD8F6A4}" dt="2024-01-09T11:52:05.340" v="1223" actId="20577"/>
+        <pc:sldMkLst>
+          <pc:docMk/>
+          <pc:sldMk cId="4106293668" sldId="262"/>
+        </pc:sldMkLst>
+        <pc:spChg chg="mod">
+          <ac:chgData name="Elegushi, Quyoum Ademola" userId="9a08563a-63f0-4e24-9dc1-171258db8867" providerId="ADAL" clId="{2288368F-DE4B-405B-A7A7-4AFBEBD8F6A4}" dt="2024-01-09T11:52:05.340" v="1223" actId="20577"/>
+          <ac:spMkLst>
+            <pc:docMk/>
+            <pc:sldMk cId="4106293668" sldId="262"/>
+            <ac:spMk id="2" creationId="{E5C1653C-BD1E-C3C3-C28A-819B95F80149}"/>
+          </ac:spMkLst>
+        </pc:spChg>
+        <pc:spChg chg="del">
+          <ac:chgData name="Elegushi, Quyoum Ademola" userId="9a08563a-63f0-4e24-9dc1-171258db8867" providerId="ADAL" clId="{2288368F-DE4B-405B-A7A7-4AFBEBD8F6A4}" dt="2024-01-09T11:50:13.463" v="1022"/>
+          <ac:spMkLst>
+            <pc:docMk/>
+            <pc:sldMk cId="4106293668" sldId="262"/>
+            <ac:spMk id="3" creationId="{85A9D84A-4CD8-38FD-4769-4CC46706AC03}"/>
+          </ac:spMkLst>
+        </pc:spChg>
+        <pc:spChg chg="add">
+          <ac:chgData name="Elegushi, Quyoum Ademola" userId="9a08563a-63f0-4e24-9dc1-171258db8867" providerId="ADAL" clId="{2288368F-DE4B-405B-A7A7-4AFBEBD8F6A4}" dt="2024-01-09T11:51:29.682" v="1145" actId="26606"/>
+          <ac:spMkLst>
+            <pc:docMk/>
+            <pc:sldMk cId="4106293668" sldId="262"/>
+            <ac:spMk id="10" creationId="{16C5FA50-8D52-4617-AF91-5C7B1C8352F1}"/>
+          </ac:spMkLst>
+        </pc:spChg>
+        <pc:spChg chg="add">
+          <ac:chgData name="Elegushi, Quyoum Ademola" userId="9a08563a-63f0-4e24-9dc1-171258db8867" providerId="ADAL" clId="{2288368F-DE4B-405B-A7A7-4AFBEBD8F6A4}" dt="2024-01-09T11:51:29.682" v="1145" actId="26606"/>
+          <ac:spMkLst>
+            <pc:docMk/>
+            <pc:sldMk cId="4106293668" sldId="262"/>
+            <ac:spMk id="12" creationId="{E223798C-12AD-4B0C-A50C-D676347D67CF}"/>
+          </ac:spMkLst>
+        </pc:spChg>
+        <pc:picChg chg="add mod">
+          <ac:chgData name="Elegushi, Quyoum Ademola" userId="9a08563a-63f0-4e24-9dc1-171258db8867" providerId="ADAL" clId="{2288368F-DE4B-405B-A7A7-4AFBEBD8F6A4}" dt="2024-01-09T11:51:29.682" v="1145" actId="26606"/>
+          <ac:picMkLst>
+            <pc:docMk/>
+            <pc:sldMk cId="4106293668" sldId="262"/>
+            <ac:picMk id="5" creationId="{C33D0D94-7F50-845E-F557-A63A4E4F78B8}"/>
+          </ac:picMkLst>
+        </pc:picChg>
+      </pc:sldChg>
+      <pc:sldChg chg="modSp new mod">
+        <pc:chgData name="Elegushi, Quyoum Ademola" userId="9a08563a-63f0-4e24-9dc1-171258db8867" providerId="ADAL" clId="{2288368F-DE4B-405B-A7A7-4AFBEBD8F6A4}" dt="2024-01-09T12:01:39.354" v="1340" actId="20577"/>
+        <pc:sldMkLst>
+          <pc:docMk/>
+          <pc:sldMk cId="2118479592" sldId="263"/>
+        </pc:sldMkLst>
+        <pc:spChg chg="mod">
+          <ac:chgData name="Elegushi, Quyoum Ademola" userId="9a08563a-63f0-4e24-9dc1-171258db8867" providerId="ADAL" clId="{2288368F-DE4B-405B-A7A7-4AFBEBD8F6A4}" dt="2024-01-09T11:59:15.441" v="1243" actId="20577"/>
+          <ac:spMkLst>
+            <pc:docMk/>
+            <pc:sldMk cId="2118479592" sldId="263"/>
+            <ac:spMk id="2" creationId="{734AB395-B591-8ED9-1BD5-76E2615AC72E}"/>
+          </ac:spMkLst>
+        </pc:spChg>
+        <pc:spChg chg="mod">
+          <ac:chgData name="Elegushi, Quyoum Ademola" userId="9a08563a-63f0-4e24-9dc1-171258db8867" providerId="ADAL" clId="{2288368F-DE4B-405B-A7A7-4AFBEBD8F6A4}" dt="2024-01-09T12:01:39.354" v="1340" actId="20577"/>
+          <ac:spMkLst>
+            <pc:docMk/>
+            <pc:sldMk cId="2118479592" sldId="263"/>
+            <ac:spMk id="3" creationId="{BA84FAB7-E637-0CB6-A41A-44C1AEBDC09A}"/>
+          </ac:spMkLst>
+        </pc:spChg>
       </pc:sldChg>
     </pc:docChg>
   </pc:docChgLst>
@@ -1729,7 +2175,7 @@
           <a:p>
             <a:fld id="{37F085CE-0F66-4B49-B43D-489F40236A87}" type="datetimeFigureOut">
               <a:rPr lang="en-GB" smtClean="0"/>
-              <a:t>08/01/2024</a:t>
+              <a:t>09/01/2024</a:t>
             </a:fld>
             <a:endParaRPr lang="en-GB"/>
           </a:p>
@@ -1929,7 +2375,7 @@
           <a:p>
             <a:fld id="{37F085CE-0F66-4B49-B43D-489F40236A87}" type="datetimeFigureOut">
               <a:rPr lang="en-GB" smtClean="0"/>
-              <a:t>08/01/2024</a:t>
+              <a:t>09/01/2024</a:t>
             </a:fld>
             <a:endParaRPr lang="en-GB"/>
           </a:p>
@@ -2139,7 +2585,7 @@
           <a:p>
             <a:fld id="{37F085CE-0F66-4B49-B43D-489F40236A87}" type="datetimeFigureOut">
               <a:rPr lang="en-GB" smtClean="0"/>
-              <a:t>08/01/2024</a:t>
+              <a:t>09/01/2024</a:t>
             </a:fld>
             <a:endParaRPr lang="en-GB"/>
           </a:p>
@@ -2339,7 +2785,7 @@
           <a:p>
             <a:fld id="{37F085CE-0F66-4B49-B43D-489F40236A87}" type="datetimeFigureOut">
               <a:rPr lang="en-GB" smtClean="0"/>
-              <a:t>08/01/2024</a:t>
+              <a:t>09/01/2024</a:t>
             </a:fld>
             <a:endParaRPr lang="en-GB"/>
           </a:p>
@@ -2615,7 +3061,7 @@
           <a:p>
             <a:fld id="{37F085CE-0F66-4B49-B43D-489F40236A87}" type="datetimeFigureOut">
               <a:rPr lang="en-GB" smtClean="0"/>
-              <a:t>08/01/2024</a:t>
+              <a:t>09/01/2024</a:t>
             </a:fld>
             <a:endParaRPr lang="en-GB"/>
           </a:p>
@@ -2883,7 +3329,7 @@
           <a:p>
             <a:fld id="{37F085CE-0F66-4B49-B43D-489F40236A87}" type="datetimeFigureOut">
               <a:rPr lang="en-GB" smtClean="0"/>
-              <a:t>08/01/2024</a:t>
+              <a:t>09/01/2024</a:t>
             </a:fld>
             <a:endParaRPr lang="en-GB"/>
           </a:p>
@@ -3298,7 +3744,7 @@
           <a:p>
             <a:fld id="{37F085CE-0F66-4B49-B43D-489F40236A87}" type="datetimeFigureOut">
               <a:rPr lang="en-GB" smtClean="0"/>
-              <a:t>08/01/2024</a:t>
+              <a:t>09/01/2024</a:t>
             </a:fld>
             <a:endParaRPr lang="en-GB"/>
           </a:p>
@@ -3440,7 +3886,7 @@
           <a:p>
             <a:fld id="{37F085CE-0F66-4B49-B43D-489F40236A87}" type="datetimeFigureOut">
               <a:rPr lang="en-GB" smtClean="0"/>
-              <a:t>08/01/2024</a:t>
+              <a:t>09/01/2024</a:t>
             </a:fld>
             <a:endParaRPr lang="en-GB"/>
           </a:p>
@@ -3553,7 +3999,7 @@
           <a:p>
             <a:fld id="{37F085CE-0F66-4B49-B43D-489F40236A87}" type="datetimeFigureOut">
               <a:rPr lang="en-GB" smtClean="0"/>
-              <a:t>08/01/2024</a:t>
+              <a:t>09/01/2024</a:t>
             </a:fld>
             <a:endParaRPr lang="en-GB"/>
           </a:p>
@@ -3866,7 +4312,7 @@
           <a:p>
             <a:fld id="{37F085CE-0F66-4B49-B43D-489F40236A87}" type="datetimeFigureOut">
               <a:rPr lang="en-GB" smtClean="0"/>
-              <a:t>08/01/2024</a:t>
+              <a:t>09/01/2024</a:t>
             </a:fld>
             <a:endParaRPr lang="en-GB"/>
           </a:p>
@@ -4155,7 +4601,7 @@
           <a:p>
             <a:fld id="{37F085CE-0F66-4B49-B43D-489F40236A87}" type="datetimeFigureOut">
               <a:rPr lang="en-GB" smtClean="0"/>
-              <a:t>08/01/2024</a:t>
+              <a:t>09/01/2024</a:t>
             </a:fld>
             <a:endParaRPr lang="en-GB"/>
           </a:p>
@@ -4398,7 +4844,7 @@
           <a:p>
             <a:fld id="{37F085CE-0F66-4B49-B43D-489F40236A87}" type="datetimeFigureOut">
               <a:rPr lang="en-GB" smtClean="0"/>
-              <a:t>08/01/2024</a:t>
+              <a:t>09/01/2024</a:t>
             </a:fld>
             <a:endParaRPr lang="en-GB"/>
           </a:p>
@@ -7935,13 +8381,13 @@
           <a:lstStyle/>
           <a:p>
             <a:r>
-              <a:rPr lang="en-US" sz="2400"/>
+              <a:rPr lang="en-US" sz="2400" dirty="0"/>
               <a:t>Concept art for buildings </a:t>
             </a:r>
             <a:br>
-              <a:rPr lang="en-US" sz="2400"/>
+              <a:rPr lang="en-US" sz="2400" dirty="0"/>
             </a:br>
-            <a:endParaRPr lang="en-US" sz="2400"/>
+            <a:endParaRPr lang="en-US" sz="2400" dirty="0"/>
           </a:p>
         </p:txBody>
       </p:sp>
@@ -7968,25 +8414,9 @@
         </p:spPr>
         <p:txBody>
           <a:bodyPr vert="horz" lIns="91440" tIns="45720" rIns="91440" bIns="45720" rtlCol="0">
-            <a:normAutofit lnSpcReduction="10000"/>
+            <a:normAutofit/>
           </a:bodyPr>
           <a:lstStyle/>
-          <a:p>
-            <a:pPr indent="-228600">
-              <a:lnSpc>
-                <a:spcPct val="90000"/>
-              </a:lnSpc>
-              <a:spcAft>
-                <a:spcPts val="600"/>
-              </a:spcAft>
-              <a:buFont typeface="Arial" panose="020B0604020202020204" pitchFamily="34" charset="0"/>
-              <a:buChar char="•"/>
-            </a:pPr>
-            <a:r>
-              <a:rPr lang="en-US" sz="2000" dirty="0"/>
-              <a:t>Pillars concept art</a:t>
-            </a:r>
-          </a:p>
           <a:p>
             <a:pPr indent="-228600">
               <a:lnSpc>
@@ -8017,22 +8447,6 @@
             <a:r>
               <a:rPr lang="en-US" sz="2000" dirty="0"/>
               <a:t>Library building concept art</a:t>
-            </a:r>
-          </a:p>
-          <a:p>
-            <a:pPr indent="-228600">
-              <a:lnSpc>
-                <a:spcPct val="90000"/>
-              </a:lnSpc>
-              <a:spcAft>
-                <a:spcPts val="600"/>
-              </a:spcAft>
-              <a:buFont typeface="Arial" panose="020B0604020202020204" pitchFamily="34" charset="0"/>
-              <a:buChar char="•"/>
-            </a:pPr>
-            <a:r>
-              <a:rPr lang="en-US" sz="2000" dirty="0"/>
-              <a:t>Temple concept art</a:t>
             </a:r>
           </a:p>
           <a:p>
@@ -8102,10 +8516,10 @@
       </p:grpSpPr>
       <p:sp useBgFill="1">
         <p:nvSpPr>
-          <p:cNvPr id="54" name="Rectangle 53">
+          <p:cNvPr id="61" name="Rectangle 60">
             <a:extLst>
               <a:ext uri="{FF2B5EF4-FFF2-40B4-BE49-F238E27FC236}">
-                <a16:creationId xmlns:a16="http://schemas.microsoft.com/office/drawing/2014/main" id="{B712E947-0734-45F9-9C4F-41114EC3A33E}"/>
+                <a16:creationId xmlns:a16="http://schemas.microsoft.com/office/drawing/2014/main" id="{04812C46-200A-4DEB-A05E-3ED6C68C2387}"/>
               </a:ext>
               <a:ext uri="{C183D7F6-B498-43B3-948B-1728B52AA6E4}">
                 <adec:decorative xmlns:adec="http://schemas.microsoft.com/office/drawing/2017/decorative" val="1"/>
@@ -8125,31 +8539,15 @@
         </p:nvSpPr>
         <p:spPr>
           <a:xfrm>
-            <a:off x="-2" y="0"/>
-            <a:ext cx="12192000" cy="6858000"/>
+            <a:off x="-1" y="0"/>
+            <a:ext cx="12188952" cy="6858000"/>
           </a:xfrm>
           <a:prstGeom prst="rect">
             <a:avLst/>
           </a:prstGeom>
-          <a:ln w="12700" cap="flat" cmpd="sng" algn="ctr">
+          <a:ln>
             <a:noFill/>
-            <a:prstDash val="solid"/>
-            <a:miter lim="800000"/>
           </a:ln>
-          <a:effectLst/>
-          <a:extLst>
-            <a:ext uri="{91240B29-F687-4F45-9708-019B960494DF}">
-              <a14:hiddenLine xmlns:a14="http://schemas.microsoft.com/office/drawing/2010/main" w="12700" cap="flat" cmpd="sng" algn="ctr">
-                <a:solidFill>
-                  <a:schemeClr val="accent1">
-                    <a:shade val="50000"/>
-                  </a:schemeClr>
-                </a:solidFill>
-                <a:prstDash val="solid"/>
-                <a:miter lim="800000"/>
-              </a14:hiddenLine>
-            </a:ext>
-          </a:extLst>
         </p:spPr>
         <p:style>
           <a:lnRef idx="2">
@@ -8176,98 +8574,12 @@
           </a:p>
         </p:txBody>
       </p:sp>
-      <p:sp>
-        <p:nvSpPr>
-          <p:cNvPr id="2" name="Title 1">
+      <p:pic>
+        <p:nvPicPr>
+          <p:cNvPr id="7" name="Content Placeholder 6">
             <a:extLst>
               <a:ext uri="{FF2B5EF4-FFF2-40B4-BE49-F238E27FC236}">
-                <a16:creationId xmlns:a16="http://schemas.microsoft.com/office/drawing/2014/main" id="{11B1946A-AB96-4F4F-A718-23D444CB3434}"/>
-              </a:ext>
-            </a:extLst>
-          </p:cNvPr>
-          <p:cNvSpPr>
-            <a:spLocks noGrp="1"/>
-          </p:cNvSpPr>
-          <p:nvPr>
-            <p:ph type="title"/>
-          </p:nvPr>
-        </p:nvSpPr>
-        <p:spPr>
-          <a:xfrm>
-            <a:off x="1144506" y="457201"/>
-            <a:ext cx="6743698" cy="1556870"/>
-          </a:xfrm>
-        </p:spPr>
-        <p:txBody>
-          <a:bodyPr vert="horz" lIns="91440" tIns="45720" rIns="91440" bIns="45720" rtlCol="0" anchor="b">
-            <a:normAutofit/>
-          </a:bodyPr>
-          <a:lstStyle/>
-          <a:p>
-            <a:r>
-              <a:rPr lang="en-US" kern="1200">
-                <a:solidFill>
-                  <a:schemeClr val="tx1"/>
-                </a:solidFill>
-                <a:latin typeface="+mj-lt"/>
-                <a:ea typeface="+mj-ea"/>
-                <a:cs typeface="+mj-cs"/>
-              </a:rPr>
-              <a:t>3D modelling </a:t>
-            </a:r>
-          </a:p>
-        </p:txBody>
-      </p:sp>
-      <p:sp>
-        <p:nvSpPr>
-          <p:cNvPr id="9" name="TextBox 8">
-            <a:extLst>
-              <a:ext uri="{FF2B5EF4-FFF2-40B4-BE49-F238E27FC236}">
-                <a16:creationId xmlns:a16="http://schemas.microsoft.com/office/drawing/2014/main" id="{BB9AEDFC-2294-4E4E-AC0A-3D93948D606D}"/>
-              </a:ext>
-            </a:extLst>
-          </p:cNvPr>
-          <p:cNvSpPr txBox="1"/>
-          <p:nvPr/>
-        </p:nvSpPr>
-        <p:spPr>
-          <a:xfrm>
-            <a:off x="1144505" y="2277036"/>
-            <a:ext cx="6743700" cy="3461155"/>
-          </a:xfrm>
-          <a:prstGeom prst="rect">
-            <a:avLst/>
-          </a:prstGeom>
-        </p:spPr>
-        <p:txBody>
-          <a:bodyPr vert="horz" lIns="91440" tIns="45720" rIns="91440" bIns="45720" rtlCol="0">
-            <a:normAutofit/>
-          </a:bodyPr>
-          <a:lstStyle/>
-          <a:p>
-            <a:pPr indent="-228600">
-              <a:lnSpc>
-                <a:spcPct val="90000"/>
-              </a:lnSpc>
-              <a:spcAft>
-                <a:spcPts val="600"/>
-              </a:spcAft>
-              <a:buFont typeface="Arial" panose="020B0604020202020204" pitchFamily="34" charset="0"/>
-              <a:buChar char="•"/>
-            </a:pPr>
-            <a:r>
-              <a:rPr lang="en-US" sz="2000" dirty="0"/>
-              <a:t>This is 3d base model for the level one library, this model was achieved using the insert and extrude tool.</a:t>
-            </a:r>
-          </a:p>
-        </p:txBody>
-      </p:sp>
-      <p:pic>
-        <p:nvPicPr>
-          <p:cNvPr id="5" name="Content Placeholder 4" descr="A building with a dome and a blue roof&#10;&#10;Description automatically generated">
-            <a:extLst>
-              <a:ext uri="{FF2B5EF4-FFF2-40B4-BE49-F238E27FC236}">
-                <a16:creationId xmlns:a16="http://schemas.microsoft.com/office/drawing/2014/main" id="{A933A47A-9EA3-34DB-5B95-7FDB3B1A83FE}"/>
+                <a16:creationId xmlns:a16="http://schemas.microsoft.com/office/drawing/2014/main" id="{5A035B4D-7E0D-7BEB-1F1D-7494EEACBBEA}"/>
               </a:ext>
             </a:extLst>
           </p:cNvPr>
@@ -8286,64 +8598,25 @@
               </a:ext>
             </a:extLst>
           </a:blip>
-          <a:srcRect r="-5" b="-5"/>
+          <a:srcRect l="24566" r="1" b="1"/>
           <a:stretch/>
         </p:blipFill>
         <p:spPr>
           <a:xfrm>
-            <a:off x="2949609" y="-749157"/>
-            <a:ext cx="9730071" cy="8229193"/>
+            <a:off x="1" y="10"/>
+            <a:ext cx="9669642" cy="6857990"/>
           </a:xfrm>
-          <a:custGeom>
+          <a:prstGeom prst="rect">
             <a:avLst/>
-            <a:gdLst/>
-            <a:ahLst/>
-            <a:cxnLst/>
-            <a:rect l="l" t="t" r="r" b="b"/>
-            <a:pathLst>
-              <a:path w="2592126" h="2592126">
-                <a:moveTo>
-                  <a:pt x="1296063" y="0"/>
-                </a:moveTo>
-                <a:cubicBezTo>
-                  <a:pt x="2011859" y="0"/>
-                  <a:pt x="2592126" y="580267"/>
-                  <a:pt x="2592126" y="1296063"/>
-                </a:cubicBezTo>
-                <a:cubicBezTo>
-                  <a:pt x="2592126" y="2011859"/>
-                  <a:pt x="2011859" y="2592126"/>
-                  <a:pt x="1296063" y="2592126"/>
-                </a:cubicBezTo>
-                <a:cubicBezTo>
-                  <a:pt x="580267" y="2592126"/>
-                  <a:pt x="0" y="2011859"/>
-                  <a:pt x="0" y="1296063"/>
-                </a:cubicBezTo>
-                <a:cubicBezTo>
-                  <a:pt x="0" y="580267"/>
-                  <a:pt x="580267" y="0"/>
-                  <a:pt x="1296063" y="0"/>
-                </a:cubicBezTo>
-                <a:close/>
-              </a:path>
-            </a:pathLst>
-          </a:custGeom>
-          <a:effectLst>
-            <a:outerShdw blurRad="50800" dist="50800" dir="5400000" algn="ctr" rotWithShape="0">
-              <a:srgbClr val="000000">
-                <a:alpha val="72000"/>
-              </a:srgbClr>
-            </a:outerShdw>
-          </a:effectLst>
+          </a:prstGeom>
         </p:spPr>
       </p:pic>
       <p:sp>
         <p:nvSpPr>
-          <p:cNvPr id="55" name="Rectangle 54">
+          <p:cNvPr id="63" name="Rectangle 62">
             <a:extLst>
               <a:ext uri="{FF2B5EF4-FFF2-40B4-BE49-F238E27FC236}">
-                <a16:creationId xmlns:a16="http://schemas.microsoft.com/office/drawing/2014/main" id="{5A65989E-BBD5-44D7-AA86-7AFD5D46BBC0}"/>
+                <a16:creationId xmlns:a16="http://schemas.microsoft.com/office/drawing/2014/main" id="{D1EA859B-E555-4109-94F3-6700E046E008}"/>
               </a:ext>
               <a:ext uri="{C183D7F6-B498-43B3-948B-1728B52AA6E4}">
                 <adec:decorative xmlns:adec="http://schemas.microsoft.com/office/drawing/2017/decorative" val="1"/>
@@ -8362,23 +8635,38 @@
           </p:nvPr>
         </p:nvSpPr>
         <p:spPr>
-          <a:xfrm rot="10800000" flipH="1">
-            <a:off x="0" y="6400799"/>
-            <a:ext cx="12192000" cy="456773"/>
+          <a:xfrm flipH="1">
+            <a:off x="5125019" y="0"/>
+            <a:ext cx="7066978" cy="6858000"/>
           </a:xfrm>
           <a:prstGeom prst="rect">
             <a:avLst/>
           </a:prstGeom>
           <a:gradFill>
             <a:gsLst>
+              <a:gs pos="48000">
+                <a:schemeClr val="bg1"/>
+              </a:gs>
+              <a:gs pos="35000">
+                <a:schemeClr val="bg1">
+                  <a:alpha val="77000"/>
+                </a:schemeClr>
+              </a:gs>
+              <a:gs pos="19000">
+                <a:schemeClr val="bg1">
+                  <a:alpha val="38000"/>
+                </a:schemeClr>
+              </a:gs>
               <a:gs pos="0">
-                <a:schemeClr val="accent1"/>
+                <a:schemeClr val="bg1">
+                  <a:alpha val="0"/>
+                </a:schemeClr>
               </a:gs>
-              <a:gs pos="78000">
-                <a:srgbClr val="000000"/>
+              <a:gs pos="100000">
+                <a:schemeClr val="bg1"/>
               </a:gs>
             </a:gsLst>
-            <a:lin ang="2400000" scaled="0"/>
+            <a:lin ang="10800000" scaled="0"/>
           </a:gradFill>
           <a:ln>
             <a:noFill/>
@@ -8405,82 +8693,102 @@
           <a:lstStyle/>
           <a:p>
             <a:pPr algn="ctr"/>
-            <a:endParaRPr lang="en-US"/>
+            <a:endParaRPr lang="en-US" dirty="0"/>
           </a:p>
         </p:txBody>
       </p:sp>
       <p:sp>
         <p:nvSpPr>
-          <p:cNvPr id="56" name="Rectangle 55">
+          <p:cNvPr id="2" name="Title 1">
             <a:extLst>
               <a:ext uri="{FF2B5EF4-FFF2-40B4-BE49-F238E27FC236}">
-                <a16:creationId xmlns:a16="http://schemas.microsoft.com/office/drawing/2014/main" id="{231A2881-D8D7-4A7D-ACA3-E9F849F853D8}"/>
-              </a:ext>
-              <a:ext uri="{C183D7F6-B498-43B3-948B-1728B52AA6E4}">
-                <adec:decorative xmlns:adec="http://schemas.microsoft.com/office/drawing/2017/decorative" val="1"/>
+                <a16:creationId xmlns:a16="http://schemas.microsoft.com/office/drawing/2014/main" id="{11B1946A-AB96-4F4F-A718-23D444CB3434}"/>
               </a:ext>
             </a:extLst>
           </p:cNvPr>
           <p:cNvSpPr>
-            <a:spLocks noGrp="1" noRot="1" noChangeAspect="1" noMove="1" noResize="1" noEditPoints="1" noAdjustHandles="1" noChangeArrowheads="1" noChangeShapeType="1" noTextEdit="1"/>
+            <a:spLocks noGrp="1"/>
           </p:cNvSpPr>
           <p:nvPr>
-            <p:extLst>
-              <p:ext uri="{386F3935-93C4-4BCD-93E2-E3B085C9AB24}">
-                <p16:designElem xmlns:p16="http://schemas.microsoft.com/office/powerpoint/2015/main" val="1"/>
-              </p:ext>
-            </p:extLst>
+            <p:ph type="title"/>
           </p:nvPr>
         </p:nvSpPr>
         <p:spPr>
-          <a:xfrm flipH="1">
-            <a:off x="4038600" y="6400799"/>
-            <a:ext cx="8153398" cy="456772"/>
+          <a:xfrm>
+            <a:off x="7531610" y="365125"/>
+            <a:ext cx="3822189" cy="1899912"/>
+          </a:xfrm>
+        </p:spPr>
+        <p:txBody>
+          <a:bodyPr vert="horz" lIns="91440" tIns="45720" rIns="91440" bIns="45720" rtlCol="0" anchor="ctr">
+            <a:normAutofit/>
+          </a:bodyPr>
+          <a:lstStyle/>
+          <a:p>
+            <a:r>
+              <a:rPr lang="en-US" sz="4000"/>
+              <a:t>3D modelling </a:t>
+            </a:r>
+          </a:p>
+        </p:txBody>
+      </p:sp>
+      <p:sp>
+        <p:nvSpPr>
+          <p:cNvPr id="9" name="TextBox 8">
+            <a:extLst>
+              <a:ext uri="{FF2B5EF4-FFF2-40B4-BE49-F238E27FC236}">
+                <a16:creationId xmlns:a16="http://schemas.microsoft.com/office/drawing/2014/main" id="{BB9AEDFC-2294-4E4E-AC0A-3D93948D606D}"/>
+              </a:ext>
+            </a:extLst>
+          </p:cNvPr>
+          <p:cNvSpPr txBox="1"/>
+          <p:nvPr/>
+        </p:nvSpPr>
+        <p:spPr>
+          <a:xfrm>
+            <a:off x="7531610" y="2434201"/>
+            <a:ext cx="3822189" cy="3742762"/>
           </a:xfrm>
           <a:prstGeom prst="rect">
             <a:avLst/>
           </a:prstGeom>
-          <a:gradFill>
-            <a:gsLst>
-              <a:gs pos="0">
-                <a:srgbClr val="000000">
-                  <a:alpha val="63000"/>
-                </a:srgbClr>
-              </a:gs>
-              <a:gs pos="100000">
-                <a:schemeClr val="accent1">
-                  <a:lumMod val="75000"/>
-                </a:schemeClr>
-              </a:gs>
-            </a:gsLst>
-            <a:lin ang="13800000" scaled="0"/>
-          </a:gradFill>
-          <a:ln>
-            <a:noFill/>
-          </a:ln>
         </p:spPr>
-        <p:style>
-          <a:lnRef idx="2">
-            <a:schemeClr val="accent1">
-              <a:shade val="50000"/>
-            </a:schemeClr>
-          </a:lnRef>
-          <a:fillRef idx="1">
-            <a:schemeClr val="accent1"/>
-          </a:fillRef>
-          <a:effectRef idx="0">
-            <a:schemeClr val="accent1"/>
-          </a:effectRef>
-          <a:fontRef idx="minor">
-            <a:schemeClr val="lt1"/>
-          </a:fontRef>
-        </p:style>
         <p:txBody>
-          <a:bodyPr rtlCol="0" anchor="ctr"/>
+          <a:bodyPr vert="horz" lIns="91440" tIns="45720" rIns="91440" bIns="45720" rtlCol="0">
+            <a:normAutofit/>
+          </a:bodyPr>
           <a:lstStyle/>
           <a:p>
-            <a:pPr algn="ctr"/>
-            <a:endParaRPr lang="en-US"/>
+            <a:pPr indent="-228600">
+              <a:lnSpc>
+                <a:spcPct val="90000"/>
+              </a:lnSpc>
+              <a:spcAft>
+                <a:spcPts val="600"/>
+              </a:spcAft>
+              <a:buFont typeface="Arial" panose="020B0604020202020204" pitchFamily="34" charset="0"/>
+              <a:buChar char="•"/>
+            </a:pPr>
+            <a:r>
+              <a:rPr lang="en-US" sz="2000" dirty="0"/>
+              <a:t>This is 3d base model for the level one library, this model was achieved using the insert and extrude tool.</a:t>
+            </a:r>
+          </a:p>
+          <a:p>
+            <a:pPr indent="-228600">
+              <a:lnSpc>
+                <a:spcPct val="90000"/>
+              </a:lnSpc>
+              <a:spcAft>
+                <a:spcPts val="600"/>
+              </a:spcAft>
+              <a:buFont typeface="Arial" panose="020B0604020202020204" pitchFamily="34" charset="0"/>
+              <a:buChar char="•"/>
+            </a:pPr>
+            <a:r>
+              <a:rPr lang="en-US" sz="2000" dirty="0"/>
+              <a:t>The chamfer tool was also used to get the flat point of the roof </a:t>
+            </a:r>
           </a:p>
         </p:txBody>
       </p:sp>
@@ -8512,6 +8820,1597 @@
 <file path=ppt/slides/slide4.xml><?xml version="1.0" encoding="utf-8"?>
 <p:sld xmlns:a="http://schemas.openxmlformats.org/drawingml/2006/main" xmlns:r="http://schemas.openxmlformats.org/officeDocument/2006/relationships" xmlns:p="http://schemas.openxmlformats.org/presentationml/2006/main">
   <p:cSld>
+    <p:bg>
+      <p:bgPr>
+        <a:solidFill>
+          <a:schemeClr val="bg1"/>
+        </a:solidFill>
+        <a:effectLst/>
+      </p:bgPr>
+    </p:bg>
+    <p:spTree>
+      <p:nvGrpSpPr>
+        <p:cNvPr id="1" name=""/>
+        <p:cNvGrpSpPr/>
+        <p:nvPr/>
+      </p:nvGrpSpPr>
+      <p:grpSpPr>
+        <a:xfrm>
+          <a:off x="0" y="0"/>
+          <a:ext cx="0" cy="0"/>
+          <a:chOff x="0" y="0"/>
+          <a:chExt cx="0" cy="0"/>
+        </a:xfrm>
+      </p:grpSpPr>
+      <p:sp useBgFill="1">
+        <p:nvSpPr>
+          <p:cNvPr id="12" name="Rectangle 11">
+            <a:extLst>
+              <a:ext uri="{FF2B5EF4-FFF2-40B4-BE49-F238E27FC236}">
+                <a16:creationId xmlns:a16="http://schemas.microsoft.com/office/drawing/2014/main" id="{9AA72BD9-2C5A-4EDC-931F-5AA08EACA0F3}"/>
+              </a:ext>
+              <a:ext uri="{C183D7F6-B498-43B3-948B-1728B52AA6E4}">
+                <adec:decorative xmlns:adec="http://schemas.microsoft.com/office/drawing/2017/decorative" val="1"/>
+              </a:ext>
+            </a:extLst>
+          </p:cNvPr>
+          <p:cNvSpPr>
+            <a:spLocks noGrp="1" noRot="1" noChangeAspect="1" noMove="1" noResize="1" noEditPoints="1" noAdjustHandles="1" noChangeArrowheads="1" noChangeShapeType="1" noTextEdit="1"/>
+          </p:cNvSpPr>
+          <p:nvPr>
+            <p:extLst>
+              <p:ext uri="{386F3935-93C4-4BCD-93E2-E3B085C9AB24}">
+                <p16:designElem xmlns:p16="http://schemas.microsoft.com/office/powerpoint/2015/main" val="1"/>
+              </p:ext>
+            </p:extLst>
+          </p:nvPr>
+        </p:nvSpPr>
+        <p:spPr>
+          <a:xfrm>
+            <a:off x="0" y="0"/>
+            <a:ext cx="12192000" cy="6858000"/>
+          </a:xfrm>
+          <a:prstGeom prst="rect">
+            <a:avLst/>
+          </a:prstGeom>
+          <a:ln>
+            <a:noFill/>
+          </a:ln>
+        </p:spPr>
+        <p:style>
+          <a:lnRef idx="2">
+            <a:schemeClr val="accent1">
+              <a:shade val="50000"/>
+            </a:schemeClr>
+          </a:lnRef>
+          <a:fillRef idx="1">
+            <a:schemeClr val="accent1"/>
+          </a:fillRef>
+          <a:effectRef idx="0">
+            <a:schemeClr val="accent1"/>
+          </a:effectRef>
+          <a:fontRef idx="minor">
+            <a:schemeClr val="lt1"/>
+          </a:fontRef>
+        </p:style>
+        <p:txBody>
+          <a:bodyPr rtlCol="0" anchor="ctr"/>
+          <a:lstStyle/>
+          <a:p>
+            <a:pPr algn="ctr"/>
+            <a:endParaRPr lang="en-US"/>
+          </a:p>
+        </p:txBody>
+      </p:sp>
+      <p:pic>
+        <p:nvPicPr>
+          <p:cNvPr id="5" name="Content Placeholder 4" descr="A red triangle shaped object&#10;&#10;Description automatically generated">
+            <a:extLst>
+              <a:ext uri="{FF2B5EF4-FFF2-40B4-BE49-F238E27FC236}">
+                <a16:creationId xmlns:a16="http://schemas.microsoft.com/office/drawing/2014/main" id="{4315F40B-4744-ABC7-819E-C0735B9ED370}"/>
+              </a:ext>
+            </a:extLst>
+          </p:cNvPr>
+          <p:cNvPicPr>
+            <a:picLocks noChangeAspect="1"/>
+          </p:cNvPicPr>
+          <p:nvPr/>
+        </p:nvPicPr>
+        <p:blipFill rotWithShape="1">
+          <a:blip r:embed="rId2">
+            <a:extLst>
+              <a:ext uri="{28A0092B-C50C-407E-A947-70E740481C1C}">
+                <a14:useLocalDpi xmlns:a14="http://schemas.microsoft.com/office/drawing/2010/main" val="0"/>
+              </a:ext>
+            </a:extLst>
+          </a:blip>
+          <a:srcRect l="683" r="36971" b="9091"/>
+          <a:stretch/>
+        </p:blipFill>
+        <p:spPr>
+          <a:xfrm>
+            <a:off x="3522468" y="10"/>
+            <a:ext cx="8669532" cy="6857990"/>
+          </a:xfrm>
+          <a:prstGeom prst="rect">
+            <a:avLst/>
+          </a:prstGeom>
+        </p:spPr>
+      </p:pic>
+      <p:sp>
+        <p:nvSpPr>
+          <p:cNvPr id="14" name="Rectangle 13">
+            <a:extLst>
+              <a:ext uri="{FF2B5EF4-FFF2-40B4-BE49-F238E27FC236}">
+                <a16:creationId xmlns:a16="http://schemas.microsoft.com/office/drawing/2014/main" id="{DD3981AC-7B61-4947-BCF3-F7AA7FA385B9}"/>
+              </a:ext>
+              <a:ext uri="{C183D7F6-B498-43B3-948B-1728B52AA6E4}">
+                <adec:decorative xmlns:adec="http://schemas.microsoft.com/office/drawing/2017/decorative" val="1"/>
+              </a:ext>
+            </a:extLst>
+          </p:cNvPr>
+          <p:cNvSpPr>
+            <a:spLocks noGrp="1" noRot="1" noChangeAspect="1" noMove="1" noResize="1" noEditPoints="1" noAdjustHandles="1" noChangeArrowheads="1" noChangeShapeType="1" noTextEdit="1"/>
+          </p:cNvSpPr>
+          <p:nvPr>
+            <p:extLst>
+              <p:ext uri="{386F3935-93C4-4BCD-93E2-E3B085C9AB24}">
+                <p16:designElem xmlns:p16="http://schemas.microsoft.com/office/powerpoint/2015/main" val="1"/>
+              </p:ext>
+            </p:extLst>
+          </p:nvPr>
+        </p:nvSpPr>
+        <p:spPr>
+          <a:xfrm>
+            <a:off x="2" y="0"/>
+            <a:ext cx="9756601" cy="6858000"/>
+          </a:xfrm>
+          <a:prstGeom prst="rect">
+            <a:avLst/>
+          </a:prstGeom>
+          <a:gradFill>
+            <a:gsLst>
+              <a:gs pos="58000">
+                <a:schemeClr val="tx1"/>
+              </a:gs>
+              <a:gs pos="35000">
+                <a:schemeClr val="tx1">
+                  <a:alpha val="78000"/>
+                </a:schemeClr>
+              </a:gs>
+              <a:gs pos="19000">
+                <a:schemeClr val="tx1">
+                  <a:alpha val="38000"/>
+                </a:schemeClr>
+              </a:gs>
+              <a:gs pos="0">
+                <a:schemeClr val="tx1">
+                  <a:alpha val="0"/>
+                </a:schemeClr>
+              </a:gs>
+              <a:gs pos="100000">
+                <a:schemeClr val="tx1"/>
+              </a:gs>
+            </a:gsLst>
+            <a:lin ang="10800000" scaled="0"/>
+          </a:gradFill>
+          <a:ln>
+            <a:noFill/>
+          </a:ln>
+        </p:spPr>
+        <p:style>
+          <a:lnRef idx="2">
+            <a:schemeClr val="accent1">
+              <a:shade val="50000"/>
+            </a:schemeClr>
+          </a:lnRef>
+          <a:fillRef idx="1">
+            <a:schemeClr val="accent1"/>
+          </a:fillRef>
+          <a:effectRef idx="0">
+            <a:schemeClr val="accent1"/>
+          </a:effectRef>
+          <a:fontRef idx="minor">
+            <a:schemeClr val="lt1"/>
+          </a:fontRef>
+        </p:style>
+        <p:txBody>
+          <a:bodyPr rtlCol="0" anchor="ctr"/>
+          <a:lstStyle/>
+          <a:p>
+            <a:pPr algn="ctr"/>
+            <a:endParaRPr lang="en-US" dirty="0"/>
+          </a:p>
+        </p:txBody>
+      </p:sp>
+      <p:sp>
+        <p:nvSpPr>
+          <p:cNvPr id="2" name="Title 1">
+            <a:extLst>
+              <a:ext uri="{FF2B5EF4-FFF2-40B4-BE49-F238E27FC236}">
+                <a16:creationId xmlns:a16="http://schemas.microsoft.com/office/drawing/2014/main" id="{9D80A4D5-B128-4A8F-8F2C-1645967C634F}"/>
+              </a:ext>
+            </a:extLst>
+          </p:cNvPr>
+          <p:cNvSpPr>
+            <a:spLocks noGrp="1"/>
+          </p:cNvSpPr>
+          <p:nvPr>
+            <p:ph type="title"/>
+          </p:nvPr>
+        </p:nvSpPr>
+        <p:spPr>
+          <a:xfrm>
+            <a:off x="371094" y="1161288"/>
+            <a:ext cx="3438144" cy="1124712"/>
+          </a:xfrm>
+        </p:spPr>
+        <p:txBody>
+          <a:bodyPr anchor="b">
+            <a:normAutofit/>
+          </a:bodyPr>
+          <a:lstStyle/>
+          <a:p>
+            <a:r>
+              <a:rPr lang="en-GB" sz="2800">
+                <a:solidFill>
+                  <a:schemeClr val="bg1"/>
+                </a:solidFill>
+              </a:rPr>
+              <a:t>Roof model</a:t>
+            </a:r>
+            <a:br>
+              <a:rPr lang="en-GB" sz="2800">
+                <a:solidFill>
+                  <a:schemeClr val="bg1"/>
+                </a:solidFill>
+              </a:rPr>
+            </a:br>
+            <a:endParaRPr lang="en-GB" sz="2800">
+              <a:solidFill>
+                <a:schemeClr val="bg1"/>
+              </a:solidFill>
+            </a:endParaRPr>
+          </a:p>
+        </p:txBody>
+      </p:sp>
+      <p:sp>
+        <p:nvSpPr>
+          <p:cNvPr id="16" name="Rectangle 15">
+            <a:extLst>
+              <a:ext uri="{FF2B5EF4-FFF2-40B4-BE49-F238E27FC236}">
+                <a16:creationId xmlns:a16="http://schemas.microsoft.com/office/drawing/2014/main" id="{55D4142C-5077-457F-A6AD-3FECFDB39685}"/>
+              </a:ext>
+              <a:ext uri="{C183D7F6-B498-43B3-948B-1728B52AA6E4}">
+                <adec:decorative xmlns:adec="http://schemas.microsoft.com/office/drawing/2017/decorative" val="1"/>
+              </a:ext>
+            </a:extLst>
+          </p:cNvPr>
+          <p:cNvSpPr>
+            <a:spLocks noGrp="1" noRot="1" noChangeAspect="1" noMove="1" noResize="1" noEditPoints="1" noAdjustHandles="1" noChangeArrowheads="1" noChangeShapeType="1" noTextEdit="1"/>
+          </p:cNvSpPr>
+          <p:nvPr>
+            <p:extLst>
+              <p:ext uri="{386F3935-93C4-4BCD-93E2-E3B085C9AB24}">
+                <p16:designElem xmlns:p16="http://schemas.microsoft.com/office/powerpoint/2015/main" val="1"/>
+              </p:ext>
+            </p:extLst>
+          </p:nvPr>
+        </p:nvSpPr>
+        <p:spPr>
+          <a:xfrm rot="5400000">
+            <a:off x="662559" y="605790"/>
+            <a:ext cx="73152" cy="548640"/>
+          </a:xfrm>
+          <a:prstGeom prst="rect">
+            <a:avLst/>
+          </a:prstGeom>
+          <a:solidFill>
+            <a:schemeClr val="accent2"/>
+          </a:solidFill>
+          <a:ln>
+            <a:noFill/>
+          </a:ln>
+        </p:spPr>
+        <p:style>
+          <a:lnRef idx="2">
+            <a:schemeClr val="accent1">
+              <a:shade val="50000"/>
+            </a:schemeClr>
+          </a:lnRef>
+          <a:fillRef idx="1">
+            <a:schemeClr val="accent1"/>
+          </a:fillRef>
+          <a:effectRef idx="0">
+            <a:schemeClr val="accent1"/>
+          </a:effectRef>
+          <a:fontRef idx="minor">
+            <a:schemeClr val="lt1"/>
+          </a:fontRef>
+        </p:style>
+        <p:txBody>
+          <a:bodyPr rtlCol="0" anchor="ctr"/>
+          <a:lstStyle/>
+          <a:p>
+            <a:pPr algn="ctr"/>
+            <a:endParaRPr lang="en-US">
+              <a:solidFill>
+                <a:prstClr val="white"/>
+              </a:solidFill>
+              <a:latin typeface="Calibri" panose="020F0502020204030204"/>
+            </a:endParaRPr>
+          </a:p>
+        </p:txBody>
+      </p:sp>
+      <p:sp>
+        <p:nvSpPr>
+          <p:cNvPr id="18" name="Rectangle 17">
+            <a:extLst>
+              <a:ext uri="{FF2B5EF4-FFF2-40B4-BE49-F238E27FC236}">
+                <a16:creationId xmlns:a16="http://schemas.microsoft.com/office/drawing/2014/main" id="{7A5F0580-5EE9-419F-96EE-B6529EF6E7D0}"/>
+              </a:ext>
+              <a:ext uri="{C183D7F6-B498-43B3-948B-1728B52AA6E4}">
+                <adec:decorative xmlns:adec="http://schemas.microsoft.com/office/drawing/2017/decorative" val="1"/>
+              </a:ext>
+            </a:extLst>
+          </p:cNvPr>
+          <p:cNvSpPr>
+            <a:spLocks noGrp="1" noRot="1" noChangeAspect="1" noMove="1" noResize="1" noEditPoints="1" noAdjustHandles="1" noChangeArrowheads="1" noChangeShapeType="1" noTextEdit="1"/>
+          </p:cNvSpPr>
+          <p:nvPr>
+            <p:extLst>
+              <p:ext uri="{386F3935-93C4-4BCD-93E2-E3B085C9AB24}">
+                <p16:designElem xmlns:p16="http://schemas.microsoft.com/office/powerpoint/2015/main" val="1"/>
+              </p:ext>
+            </p:extLst>
+          </p:nvPr>
+        </p:nvSpPr>
+        <p:spPr>
+          <a:xfrm>
+            <a:off x="428244" y="2443480"/>
+            <a:ext cx="3300984" cy="9144"/>
+          </a:xfrm>
+          <a:prstGeom prst="rect">
+            <a:avLst/>
+          </a:prstGeom>
+          <a:solidFill>
+            <a:schemeClr val="tx1"/>
+          </a:solidFill>
+          <a:ln w="3175">
+            <a:solidFill>
+              <a:schemeClr val="bg1"/>
+            </a:solidFill>
+          </a:ln>
+          <a:effectLst/>
+        </p:spPr>
+        <p:style>
+          <a:lnRef idx="2">
+            <a:schemeClr val="accent1">
+              <a:shade val="50000"/>
+            </a:schemeClr>
+          </a:lnRef>
+          <a:fillRef idx="1">
+            <a:schemeClr val="accent1"/>
+          </a:fillRef>
+          <a:effectRef idx="0">
+            <a:schemeClr val="accent1"/>
+          </a:effectRef>
+          <a:fontRef idx="minor">
+            <a:schemeClr val="lt1"/>
+          </a:fontRef>
+        </p:style>
+        <p:txBody>
+          <a:bodyPr rtlCol="0" anchor="ctr"/>
+          <a:lstStyle/>
+          <a:p>
+            <a:pPr marL="0" marR="0" lvl="0" indent="0" algn="ctr" defTabSz="914400" rtl="0" eaLnBrk="1" fontAlgn="auto" latinLnBrk="0" hangingPunct="1">
+              <a:lnSpc>
+                <a:spcPct val="100000"/>
+              </a:lnSpc>
+              <a:spcBef>
+                <a:spcPts val="0"/>
+              </a:spcBef>
+              <a:spcAft>
+                <a:spcPts val="0"/>
+              </a:spcAft>
+              <a:buClrTx/>
+              <a:buSzTx/>
+              <a:buFontTx/>
+              <a:buNone/>
+              <a:tabLst/>
+              <a:defRPr/>
+            </a:pPr>
+            <a:endParaRPr kumimoji="0" lang="en-US" sz="1800" b="0" i="0" u="none" strike="noStrike" kern="1200" cap="none" spc="0" normalizeH="0" baseline="0" noProof="0">
+              <a:ln>
+                <a:noFill/>
+              </a:ln>
+              <a:solidFill>
+                <a:prstClr val="white"/>
+              </a:solidFill>
+              <a:effectLst/>
+              <a:uLnTx/>
+              <a:uFillTx/>
+              <a:latin typeface="Calibri" panose="020F0502020204030204"/>
+              <a:ea typeface="+mn-ea"/>
+              <a:cs typeface="+mn-cs"/>
+            </a:endParaRPr>
+          </a:p>
+        </p:txBody>
+      </p:sp>
+      <p:sp>
+        <p:nvSpPr>
+          <p:cNvPr id="9" name="Content Placeholder 8">
+            <a:extLst>
+              <a:ext uri="{FF2B5EF4-FFF2-40B4-BE49-F238E27FC236}">
+                <a16:creationId xmlns:a16="http://schemas.microsoft.com/office/drawing/2014/main" id="{E038C6E4-B8F4-7347-EB59-1ACD38E7B991}"/>
+              </a:ext>
+            </a:extLst>
+          </p:cNvPr>
+          <p:cNvSpPr>
+            <a:spLocks noGrp="1"/>
+          </p:cNvSpPr>
+          <p:nvPr>
+            <p:ph idx="1"/>
+          </p:nvPr>
+        </p:nvSpPr>
+        <p:spPr>
+          <a:xfrm>
+            <a:off x="371094" y="2718054"/>
+            <a:ext cx="3438906" cy="3207258"/>
+          </a:xfrm>
+        </p:spPr>
+        <p:txBody>
+          <a:bodyPr anchor="t">
+            <a:normAutofit/>
+          </a:bodyPr>
+          <a:lstStyle/>
+          <a:p>
+            <a:r>
+              <a:rPr lang="en-GB" sz="1700" dirty="0">
+                <a:solidFill>
+                  <a:schemeClr val="bg1"/>
+                </a:solidFill>
+              </a:rPr>
+              <a:t>This is the 3d model of the arch way roof </a:t>
+            </a:r>
+          </a:p>
+          <a:p>
+            <a:r>
+              <a:rPr lang="en-GB" sz="1700" dirty="0">
+                <a:solidFill>
+                  <a:schemeClr val="bg1"/>
+                </a:solidFill>
+              </a:rPr>
+              <a:t>This shape was achieved using four modifiers, edit poly, symmetry and the Boolean modifier.</a:t>
+            </a:r>
+            <a:endParaRPr lang="en-US" sz="1700" dirty="0">
+              <a:solidFill>
+                <a:schemeClr val="bg1"/>
+              </a:solidFill>
+            </a:endParaRPr>
+          </a:p>
+        </p:txBody>
+      </p:sp>
+    </p:spTree>
+    <p:extLst>
+      <p:ext uri="{BB962C8B-B14F-4D97-AF65-F5344CB8AC3E}">
+        <p14:creationId xmlns:p14="http://schemas.microsoft.com/office/powerpoint/2010/main" val="693924984"/>
+      </p:ext>
+    </p:extLst>
+  </p:cSld>
+  <p:clrMapOvr>
+    <a:masterClrMapping/>
+  </p:clrMapOvr>
+</p:sld>
+</file>
+
+<file path=ppt/slides/slide5.xml><?xml version="1.0" encoding="utf-8"?>
+<p:sld xmlns:a="http://schemas.openxmlformats.org/drawingml/2006/main" xmlns:r="http://schemas.openxmlformats.org/officeDocument/2006/relationships" xmlns:p="http://schemas.openxmlformats.org/presentationml/2006/main">
+  <p:cSld>
+    <p:bg>
+      <p:bgPr>
+        <a:solidFill>
+          <a:schemeClr val="bg1"/>
+        </a:solidFill>
+        <a:effectLst/>
+      </p:bgPr>
+    </p:bg>
+    <p:spTree>
+      <p:nvGrpSpPr>
+        <p:cNvPr id="1" name=""/>
+        <p:cNvGrpSpPr/>
+        <p:nvPr/>
+      </p:nvGrpSpPr>
+      <p:grpSpPr>
+        <a:xfrm>
+          <a:off x="0" y="0"/>
+          <a:ext cx="0" cy="0"/>
+          <a:chOff x="0" y="0"/>
+          <a:chExt cx="0" cy="0"/>
+        </a:xfrm>
+      </p:grpSpPr>
+      <p:sp useBgFill="1">
+        <p:nvSpPr>
+          <p:cNvPr id="33" name="Rectangle 32">
+            <a:extLst>
+              <a:ext uri="{FF2B5EF4-FFF2-40B4-BE49-F238E27FC236}">
+                <a16:creationId xmlns:a16="http://schemas.microsoft.com/office/drawing/2014/main" id="{2172A0AC-3DCE-4672-BCAF-28FEF91F6020}"/>
+              </a:ext>
+              <a:ext uri="{C183D7F6-B498-43B3-948B-1728B52AA6E4}">
+                <adec:decorative xmlns:adec="http://schemas.microsoft.com/office/drawing/2017/decorative" val="1"/>
+              </a:ext>
+            </a:extLst>
+          </p:cNvPr>
+          <p:cNvSpPr>
+            <a:spLocks noGrp="1" noRot="1" noChangeAspect="1" noMove="1" noResize="1" noEditPoints="1" noAdjustHandles="1" noChangeArrowheads="1" noChangeShapeType="1" noTextEdit="1"/>
+          </p:cNvSpPr>
+          <p:nvPr>
+            <p:extLst>
+              <p:ext uri="{386F3935-93C4-4BCD-93E2-E3B085C9AB24}">
+                <p16:designElem xmlns:p16="http://schemas.microsoft.com/office/powerpoint/2015/main" val="1"/>
+              </p:ext>
+            </p:extLst>
+          </p:nvPr>
+        </p:nvSpPr>
+        <p:spPr>
+          <a:xfrm>
+            <a:off x="0" y="0"/>
+            <a:ext cx="12188952" cy="6858000"/>
+          </a:xfrm>
+          <a:prstGeom prst="rect">
+            <a:avLst/>
+          </a:prstGeom>
+          <a:ln>
+            <a:noFill/>
+          </a:ln>
+        </p:spPr>
+        <p:style>
+          <a:lnRef idx="2">
+            <a:schemeClr val="accent1">
+              <a:shade val="50000"/>
+            </a:schemeClr>
+          </a:lnRef>
+          <a:fillRef idx="1">
+            <a:schemeClr val="accent1"/>
+          </a:fillRef>
+          <a:effectRef idx="0">
+            <a:schemeClr val="accent1"/>
+          </a:effectRef>
+          <a:fontRef idx="minor">
+            <a:schemeClr val="lt1"/>
+          </a:fontRef>
+        </p:style>
+        <p:txBody>
+          <a:bodyPr rtlCol="0" anchor="ctr"/>
+          <a:lstStyle/>
+          <a:p>
+            <a:pPr algn="ctr"/>
+            <a:endParaRPr lang="en-US"/>
+          </a:p>
+        </p:txBody>
+      </p:sp>
+      <p:sp>
+        <p:nvSpPr>
+          <p:cNvPr id="35" name="Rectangle 34">
+            <a:extLst>
+              <a:ext uri="{FF2B5EF4-FFF2-40B4-BE49-F238E27FC236}">
+                <a16:creationId xmlns:a16="http://schemas.microsoft.com/office/drawing/2014/main" id="{AE6F1C77-EDC9-4C5F-8C1C-62DD46BDA3C3}"/>
+              </a:ext>
+              <a:ext uri="{C183D7F6-B498-43B3-948B-1728B52AA6E4}">
+                <adec:decorative xmlns:adec="http://schemas.microsoft.com/office/drawing/2017/decorative" val="1"/>
+              </a:ext>
+            </a:extLst>
+          </p:cNvPr>
+          <p:cNvSpPr>
+            <a:spLocks noGrp="1" noRot="1" noChangeAspect="1" noMove="1" noResize="1" noEditPoints="1" noAdjustHandles="1" noChangeArrowheads="1" noChangeShapeType="1" noTextEdit="1"/>
+          </p:cNvSpPr>
+          <p:nvPr>
+            <p:extLst>
+              <p:ext uri="{386F3935-93C4-4BCD-93E2-E3B085C9AB24}">
+                <p16:designElem xmlns:p16="http://schemas.microsoft.com/office/powerpoint/2015/main" val="1"/>
+              </p:ext>
+            </p:extLst>
+          </p:nvPr>
+        </p:nvSpPr>
+        <p:spPr>
+          <a:xfrm>
+            <a:off x="0" y="0"/>
+            <a:ext cx="12188952" cy="6858000"/>
+          </a:xfrm>
+          <a:prstGeom prst="rect">
+            <a:avLst/>
+          </a:prstGeom>
+          <a:solidFill>
+            <a:srgbClr val="000000"/>
+          </a:solidFill>
+          <a:ln>
+            <a:noFill/>
+          </a:ln>
+        </p:spPr>
+        <p:style>
+          <a:lnRef idx="2">
+            <a:schemeClr val="accent1">
+              <a:shade val="50000"/>
+            </a:schemeClr>
+          </a:lnRef>
+          <a:fillRef idx="1">
+            <a:schemeClr val="accent1"/>
+          </a:fillRef>
+          <a:effectRef idx="0">
+            <a:schemeClr val="accent1"/>
+          </a:effectRef>
+          <a:fontRef idx="minor">
+            <a:schemeClr val="lt1"/>
+          </a:fontRef>
+        </p:style>
+        <p:txBody>
+          <a:bodyPr rtlCol="0" anchor="ctr"/>
+          <a:lstStyle/>
+          <a:p>
+            <a:pPr algn="ctr"/>
+            <a:endParaRPr lang="en-US"/>
+          </a:p>
+        </p:txBody>
+      </p:sp>
+      <p:pic>
+        <p:nvPicPr>
+          <p:cNvPr id="7" name="Picture 6">
+            <a:extLst>
+              <a:ext uri="{FF2B5EF4-FFF2-40B4-BE49-F238E27FC236}">
+                <a16:creationId xmlns:a16="http://schemas.microsoft.com/office/drawing/2014/main" id="{317F4B0B-A709-37F3-6A62-6CC18B8F15F9}"/>
+              </a:ext>
+            </a:extLst>
+          </p:cNvPr>
+          <p:cNvPicPr>
+            <a:picLocks noChangeAspect="1"/>
+          </p:cNvPicPr>
+          <p:nvPr/>
+        </p:nvPicPr>
+        <p:blipFill rotWithShape="1">
+          <a:blip r:embed="rId2">
+            <a:alphaModFix amt="40000"/>
+          </a:blip>
+          <a:srcRect t="13199" r="1" b="3989"/>
+          <a:stretch/>
+        </p:blipFill>
+        <p:spPr>
+          <a:xfrm>
+            <a:off x="20" y="10"/>
+            <a:ext cx="8450297" cy="6857990"/>
+          </a:xfrm>
+          <a:prstGeom prst="rect">
+            <a:avLst/>
+          </a:prstGeom>
+        </p:spPr>
+      </p:pic>
+      <p:sp>
+        <p:nvSpPr>
+          <p:cNvPr id="2" name="Title 1">
+            <a:extLst>
+              <a:ext uri="{FF2B5EF4-FFF2-40B4-BE49-F238E27FC236}">
+                <a16:creationId xmlns:a16="http://schemas.microsoft.com/office/drawing/2014/main" id="{9327F0FE-964A-4551-79FD-C8561AD6A7DA}"/>
+              </a:ext>
+            </a:extLst>
+          </p:cNvPr>
+          <p:cNvSpPr>
+            <a:spLocks noGrp="1"/>
+          </p:cNvSpPr>
+          <p:nvPr>
+            <p:ph type="title"/>
+          </p:nvPr>
+        </p:nvSpPr>
+        <p:spPr>
+          <a:xfrm>
+            <a:off x="838201" y="365125"/>
+            <a:ext cx="5251316" cy="1627636"/>
+          </a:xfrm>
+        </p:spPr>
+        <p:txBody>
+          <a:bodyPr vert="horz" lIns="91440" tIns="45720" rIns="91440" bIns="45720" rtlCol="0">
+            <a:normAutofit/>
+          </a:bodyPr>
+          <a:lstStyle/>
+          <a:p>
+            <a:r>
+              <a:rPr lang="en-US" kern="1200" dirty="0" err="1">
+                <a:solidFill>
+                  <a:srgbClr val="FFFFFF"/>
+                </a:solidFill>
+                <a:latin typeface="+mj-lt"/>
+                <a:ea typeface="+mj-ea"/>
+                <a:cs typeface="+mj-cs"/>
+              </a:rPr>
+              <a:t>Uv</a:t>
+            </a:r>
+            <a:r>
+              <a:rPr lang="en-US" kern="1200" dirty="0">
+                <a:solidFill>
+                  <a:srgbClr val="FFFFFF"/>
+                </a:solidFill>
+                <a:latin typeface="+mj-lt"/>
+                <a:ea typeface="+mj-ea"/>
+                <a:cs typeface="+mj-cs"/>
+              </a:rPr>
+              <a:t> unwrap normal map and texturing </a:t>
+            </a:r>
+          </a:p>
+        </p:txBody>
+      </p:sp>
+      <p:sp>
+        <p:nvSpPr>
+          <p:cNvPr id="30" name="Content Placeholder 29">
+            <a:extLst>
+              <a:ext uri="{FF2B5EF4-FFF2-40B4-BE49-F238E27FC236}">
+                <a16:creationId xmlns:a16="http://schemas.microsoft.com/office/drawing/2014/main" id="{A48AC37A-CBA7-168D-CC24-2B04C59F8068}"/>
+              </a:ext>
+            </a:extLst>
+          </p:cNvPr>
+          <p:cNvSpPr>
+            <a:spLocks noGrp="1"/>
+          </p:cNvSpPr>
+          <p:nvPr>
+            <p:ph idx="1"/>
+          </p:nvPr>
+        </p:nvSpPr>
+        <p:spPr>
+          <a:xfrm>
+            <a:off x="838200" y="2219785"/>
+            <a:ext cx="4619621" cy="3957178"/>
+          </a:xfrm>
+        </p:spPr>
+        <p:txBody>
+          <a:bodyPr>
+            <a:normAutofit/>
+          </a:bodyPr>
+          <a:lstStyle/>
+          <a:p>
+            <a:r>
+              <a:rPr lang="en-GB" sz="2000" dirty="0">
+                <a:solidFill>
+                  <a:srgbClr val="FFFFFF"/>
+                </a:solidFill>
+              </a:rPr>
+              <a:t>Here ill be showing the </a:t>
+            </a:r>
+            <a:r>
+              <a:rPr lang="en-GB" sz="2000" dirty="0" err="1">
+                <a:solidFill>
+                  <a:srgbClr val="FFFFFF"/>
+                </a:solidFill>
+              </a:rPr>
+              <a:t>uv</a:t>
+            </a:r>
+            <a:r>
+              <a:rPr lang="en-GB" sz="2000" dirty="0">
+                <a:solidFill>
+                  <a:srgbClr val="FFFFFF"/>
+                </a:solidFill>
+              </a:rPr>
+              <a:t> maps and texture maps used int the </a:t>
+            </a:r>
+            <a:r>
+              <a:rPr lang="en-GB" sz="2000" dirty="0" err="1">
+                <a:solidFill>
+                  <a:srgbClr val="FFFFFF"/>
+                </a:solidFill>
+              </a:rPr>
+              <a:t>producrion</a:t>
+            </a:r>
+            <a:r>
+              <a:rPr lang="en-GB" sz="2000" dirty="0">
+                <a:solidFill>
+                  <a:srgbClr val="FFFFFF"/>
+                </a:solidFill>
+              </a:rPr>
+              <a:t> of my modes </a:t>
+            </a:r>
+            <a:endParaRPr lang="en-US" sz="2000" dirty="0">
+              <a:solidFill>
+                <a:srgbClr val="FFFFFF"/>
+              </a:solidFill>
+            </a:endParaRPr>
+          </a:p>
+        </p:txBody>
+      </p:sp>
+      <p:pic>
+        <p:nvPicPr>
+          <p:cNvPr id="5" name="Content Placeholder 4" descr="A screenshot of a computer screen&#10;&#10;Description automatically generated">
+            <a:extLst>
+              <a:ext uri="{FF2B5EF4-FFF2-40B4-BE49-F238E27FC236}">
+                <a16:creationId xmlns:a16="http://schemas.microsoft.com/office/drawing/2014/main" id="{DB80DE5D-E4B7-9D49-70A4-DD0F451DE50A}"/>
+              </a:ext>
+            </a:extLst>
+          </p:cNvPr>
+          <p:cNvPicPr>
+            <a:picLocks noChangeAspect="1"/>
+          </p:cNvPicPr>
+          <p:nvPr/>
+        </p:nvPicPr>
+        <p:blipFill rotWithShape="1">
+          <a:blip r:embed="rId3">
+            <a:extLst>
+              <a:ext uri="{28A0092B-C50C-407E-A947-70E740481C1C}">
+                <a14:useLocalDpi xmlns:a14="http://schemas.microsoft.com/office/drawing/2010/main" val="0"/>
+              </a:ext>
+            </a:extLst>
+          </a:blip>
+          <a:srcRect l="1516" r="11538"/>
+          <a:stretch/>
+        </p:blipFill>
+        <p:spPr>
+          <a:xfrm>
+            <a:off x="6225997" y="10"/>
+            <a:ext cx="5962785" cy="6857990"/>
+          </a:xfrm>
+          <a:custGeom>
+            <a:avLst/>
+            <a:gdLst/>
+            <a:ahLst/>
+            <a:cxnLst/>
+            <a:rect l="l" t="t" r="r" b="b"/>
+            <a:pathLst>
+              <a:path w="5962785" h="6858000">
+                <a:moveTo>
+                  <a:pt x="1044839" y="0"/>
+                </a:moveTo>
+                <a:lnTo>
+                  <a:pt x="5962785" y="0"/>
+                </a:lnTo>
+                <a:lnTo>
+                  <a:pt x="5962785" y="6858000"/>
+                </a:lnTo>
+                <a:lnTo>
+                  <a:pt x="1469886" y="6858000"/>
+                </a:lnTo>
+                <a:lnTo>
+                  <a:pt x="1416006" y="6823984"/>
+                </a:lnTo>
+                <a:cubicBezTo>
+                  <a:pt x="1356767" y="6787940"/>
+                  <a:pt x="1296437" y="6755500"/>
+                  <a:pt x="1232473" y="6733873"/>
+                </a:cubicBezTo>
+                <a:cubicBezTo>
+                  <a:pt x="1145250" y="6705037"/>
+                  <a:pt x="1060933" y="6654575"/>
+                  <a:pt x="1075471" y="6503186"/>
+                </a:cubicBezTo>
+                <a:cubicBezTo>
+                  <a:pt x="1078378" y="6459932"/>
+                  <a:pt x="1055118" y="6427493"/>
+                  <a:pt x="1020229" y="6438306"/>
+                </a:cubicBezTo>
+                <a:cubicBezTo>
+                  <a:pt x="953358" y="6459932"/>
+                  <a:pt x="921375" y="6398656"/>
+                  <a:pt x="883579" y="6351798"/>
+                </a:cubicBezTo>
+                <a:cubicBezTo>
+                  <a:pt x="816707" y="6268895"/>
+                  <a:pt x="752743" y="6182387"/>
+                  <a:pt x="645167" y="6167969"/>
+                </a:cubicBezTo>
+                <a:cubicBezTo>
+                  <a:pt x="665519" y="6103088"/>
+                  <a:pt x="700408" y="6110298"/>
+                  <a:pt x="732391" y="6124716"/>
+                </a:cubicBezTo>
+                <a:cubicBezTo>
+                  <a:pt x="816707" y="6160761"/>
+                  <a:pt x="901023" y="6200410"/>
+                  <a:pt x="985339" y="6236455"/>
+                </a:cubicBezTo>
+                <a:cubicBezTo>
+                  <a:pt x="1040581" y="6258081"/>
+                  <a:pt x="1095822" y="6290522"/>
+                  <a:pt x="1168509" y="6265291"/>
+                </a:cubicBezTo>
+                <a:cubicBezTo>
+                  <a:pt x="1104545" y="6135530"/>
+                  <a:pt x="996969" y="6110298"/>
+                  <a:pt x="909746" y="6070649"/>
+                </a:cubicBezTo>
+                <a:cubicBezTo>
+                  <a:pt x="802169" y="6020185"/>
+                  <a:pt x="738206" y="5926470"/>
+                  <a:pt x="659704" y="5818335"/>
+                </a:cubicBezTo>
+                <a:cubicBezTo>
+                  <a:pt x="738206" y="5789500"/>
+                  <a:pt x="787632" y="5868798"/>
+                  <a:pt x="851597" y="5865193"/>
+                </a:cubicBezTo>
+                <a:cubicBezTo>
+                  <a:pt x="854504" y="5854380"/>
+                  <a:pt x="860319" y="5832753"/>
+                  <a:pt x="860319" y="5832753"/>
+                </a:cubicBezTo>
+                <a:cubicBezTo>
+                  <a:pt x="755650" y="5775081"/>
+                  <a:pt x="709132" y="5666947"/>
+                  <a:pt x="691686" y="5533581"/>
+                </a:cubicBezTo>
+                <a:cubicBezTo>
+                  <a:pt x="685872" y="5465095"/>
+                  <a:pt x="648075" y="5443468"/>
+                  <a:pt x="610278" y="5411029"/>
+                </a:cubicBezTo>
+                <a:cubicBezTo>
+                  <a:pt x="482350" y="5299289"/>
+                  <a:pt x="345700" y="5198364"/>
+                  <a:pt x="238123" y="5046976"/>
+                </a:cubicBezTo>
+                <a:cubicBezTo>
+                  <a:pt x="363144" y="5064998"/>
+                  <a:pt x="461997" y="5165924"/>
+                  <a:pt x="592833" y="5209177"/>
+                </a:cubicBezTo>
+                <a:cubicBezTo>
+                  <a:pt x="488165" y="5043371"/>
+                  <a:pt x="351514" y="4956864"/>
+                  <a:pt x="226494" y="4855939"/>
+                </a:cubicBezTo>
+                <a:cubicBezTo>
+                  <a:pt x="168344" y="4809081"/>
+                  <a:pt x="116011" y="4751408"/>
+                  <a:pt x="49139" y="4726177"/>
+                </a:cubicBezTo>
+                <a:cubicBezTo>
+                  <a:pt x="25879" y="4718968"/>
+                  <a:pt x="-14825" y="4700947"/>
+                  <a:pt x="5527" y="4650483"/>
+                </a:cubicBezTo>
+                <a:cubicBezTo>
+                  <a:pt x="22972" y="4607230"/>
+                  <a:pt x="54954" y="4621648"/>
+                  <a:pt x="84029" y="4632460"/>
+                </a:cubicBezTo>
+                <a:cubicBezTo>
+                  <a:pt x="153807" y="4661296"/>
+                  <a:pt x="229401" y="4661296"/>
+                  <a:pt x="325347" y="4661296"/>
+                </a:cubicBezTo>
+                <a:cubicBezTo>
+                  <a:pt x="243939" y="4524326"/>
+                  <a:pt x="95658" y="4567580"/>
+                  <a:pt x="25879" y="4423401"/>
+                </a:cubicBezTo>
+                <a:cubicBezTo>
+                  <a:pt x="113103" y="4398170"/>
+                  <a:pt x="179975" y="4448632"/>
+                  <a:pt x="249753" y="4459446"/>
+                </a:cubicBezTo>
+                <a:cubicBezTo>
+                  <a:pt x="313718" y="4470259"/>
+                  <a:pt x="328254" y="4445028"/>
+                  <a:pt x="313718" y="4365729"/>
+                </a:cubicBezTo>
+                <a:cubicBezTo>
+                  <a:pt x="290458" y="4243177"/>
+                  <a:pt x="325347" y="4181900"/>
+                  <a:pt x="418386" y="4214341"/>
+                </a:cubicBezTo>
+                <a:cubicBezTo>
+                  <a:pt x="505609" y="4246781"/>
+                  <a:pt x="514332" y="4199922"/>
+                  <a:pt x="491072" y="4131438"/>
+                </a:cubicBezTo>
+                <a:cubicBezTo>
+                  <a:pt x="456183" y="4030512"/>
+                  <a:pt x="493979" y="3951214"/>
+                  <a:pt x="520147" y="3864706"/>
+                </a:cubicBezTo>
+                <a:cubicBezTo>
+                  <a:pt x="560851" y="3734945"/>
+                  <a:pt x="543407" y="3670064"/>
+                  <a:pt x="459090" y="3572743"/>
+                </a:cubicBezTo>
+                <a:cubicBezTo>
+                  <a:pt x="409664" y="3518676"/>
+                  <a:pt x="360236" y="3471818"/>
+                  <a:pt x="290458" y="3424959"/>
+                </a:cubicBezTo>
+                <a:cubicBezTo>
+                  <a:pt x="450368" y="3399728"/>
+                  <a:pt x="284643" y="3313221"/>
+                  <a:pt x="339884" y="3259153"/>
+                </a:cubicBezTo>
+                <a:cubicBezTo>
+                  <a:pt x="453275" y="3237527"/>
+                  <a:pt x="543407" y="3410542"/>
+                  <a:pt x="697501" y="3360078"/>
+                </a:cubicBezTo>
+                <a:cubicBezTo>
+                  <a:pt x="511425" y="3212294"/>
+                  <a:pt x="302087" y="3165436"/>
+                  <a:pt x="165437" y="2967190"/>
+                </a:cubicBezTo>
+                <a:cubicBezTo>
+                  <a:pt x="197419" y="2923937"/>
+                  <a:pt x="229401" y="2967190"/>
+                  <a:pt x="255568" y="2949167"/>
+                </a:cubicBezTo>
+                <a:cubicBezTo>
+                  <a:pt x="255568" y="2938354"/>
+                  <a:pt x="560851" y="3006840"/>
+                  <a:pt x="578296" y="2725691"/>
+                </a:cubicBezTo>
+                <a:cubicBezTo>
+                  <a:pt x="584111" y="2725691"/>
+                  <a:pt x="589926" y="2725691"/>
+                  <a:pt x="595740" y="2714876"/>
+                </a:cubicBezTo>
+                <a:cubicBezTo>
+                  <a:pt x="627722" y="2675228"/>
+                  <a:pt x="598648" y="2581510"/>
+                  <a:pt x="650982" y="2574301"/>
+                </a:cubicBezTo>
+                <a:cubicBezTo>
+                  <a:pt x="709132" y="2567092"/>
+                  <a:pt x="764373" y="2534653"/>
+                  <a:pt x="825429" y="2552674"/>
+                </a:cubicBezTo>
+                <a:cubicBezTo>
+                  <a:pt x="871949" y="2567092"/>
+                  <a:pt x="921375" y="2585115"/>
+                  <a:pt x="970802" y="2585115"/>
+                </a:cubicBezTo>
+                <a:cubicBezTo>
+                  <a:pt x="1023136" y="2585115"/>
+                  <a:pt x="1095822" y="2707668"/>
+                  <a:pt x="1127805" y="2545465"/>
+                </a:cubicBezTo>
+                <a:cubicBezTo>
+                  <a:pt x="1127805" y="2538257"/>
+                  <a:pt x="1217936" y="2556280"/>
+                  <a:pt x="1267362" y="2563488"/>
+                </a:cubicBezTo>
+                <a:cubicBezTo>
+                  <a:pt x="1308067" y="2570698"/>
+                  <a:pt x="1357494" y="2603137"/>
+                  <a:pt x="1386568" y="2538257"/>
+                </a:cubicBezTo>
+                <a:cubicBezTo>
+                  <a:pt x="1401105" y="2498607"/>
+                  <a:pt x="1331326" y="2426518"/>
+                  <a:pt x="1270270" y="2419309"/>
+                </a:cubicBezTo>
+                <a:cubicBezTo>
+                  <a:pt x="1215029" y="2412101"/>
+                  <a:pt x="1159787" y="2404892"/>
+                  <a:pt x="1107453" y="2419309"/>
+                </a:cubicBezTo>
+                <a:cubicBezTo>
+                  <a:pt x="1043489" y="2437331"/>
+                  <a:pt x="1008599" y="2408495"/>
+                  <a:pt x="991154" y="2343615"/>
+                </a:cubicBezTo>
+                <a:cubicBezTo>
+                  <a:pt x="970802" y="2275131"/>
+                  <a:pt x="933005" y="2239085"/>
+                  <a:pt x="880671" y="2206645"/>
+                </a:cubicBezTo>
+                <a:cubicBezTo>
+                  <a:pt x="752743" y="2127346"/>
+                  <a:pt x="630630" y="2033629"/>
+                  <a:pt x="491072" y="1986771"/>
+                </a:cubicBezTo>
+                <a:cubicBezTo>
+                  <a:pt x="464905" y="1979562"/>
+                  <a:pt x="432923" y="1965145"/>
+                  <a:pt x="421293" y="1903868"/>
+                </a:cubicBezTo>
+                <a:cubicBezTo>
+                  <a:pt x="799262" y="1997584"/>
+                  <a:pt x="1142342" y="2239085"/>
+                  <a:pt x="1531941" y="2224667"/>
+                </a:cubicBezTo>
+                <a:cubicBezTo>
+                  <a:pt x="1427272" y="2148974"/>
+                  <a:pt x="1302252" y="2145369"/>
+                  <a:pt x="1188861" y="2091301"/>
+                </a:cubicBezTo>
+                <a:cubicBezTo>
+                  <a:pt x="1270270" y="2051652"/>
+                  <a:pt x="1345864" y="2094906"/>
+                  <a:pt x="1421458" y="2116532"/>
+                </a:cubicBezTo>
+                <a:cubicBezTo>
+                  <a:pt x="1485422" y="2134554"/>
+                  <a:pt x="1543571" y="2138160"/>
+                  <a:pt x="1549386" y="2026420"/>
+                </a:cubicBezTo>
+                <a:cubicBezTo>
+                  <a:pt x="1549386" y="2015607"/>
+                  <a:pt x="1549386" y="2008398"/>
+                  <a:pt x="1549386" y="1997584"/>
+                </a:cubicBezTo>
+                <a:cubicBezTo>
+                  <a:pt x="1526126" y="1950727"/>
+                  <a:pt x="1494144" y="1929099"/>
+                  <a:pt x="1453440" y="1914682"/>
+                </a:cubicBezTo>
+                <a:cubicBezTo>
+                  <a:pt x="1430180" y="1907473"/>
+                  <a:pt x="1398198" y="1893056"/>
+                  <a:pt x="1398198" y="1860614"/>
+                </a:cubicBezTo>
+                <a:cubicBezTo>
+                  <a:pt x="1401105" y="1738063"/>
+                  <a:pt x="1322604" y="1702018"/>
+                  <a:pt x="1247011" y="1665972"/>
+                </a:cubicBezTo>
+                <a:cubicBezTo>
+                  <a:pt x="1287715" y="1604696"/>
+                  <a:pt x="1322604" y="1647950"/>
+                  <a:pt x="1354586" y="1644345"/>
+                </a:cubicBezTo>
+                <a:cubicBezTo>
+                  <a:pt x="1374939" y="1640741"/>
+                  <a:pt x="1395290" y="1637138"/>
+                  <a:pt x="1395290" y="1604696"/>
+                </a:cubicBezTo>
+                <a:cubicBezTo>
+                  <a:pt x="1395290" y="1579465"/>
+                  <a:pt x="1386568" y="1547025"/>
+                  <a:pt x="1366216" y="1547025"/>
+                </a:cubicBezTo>
+                <a:cubicBezTo>
+                  <a:pt x="1238288" y="1543420"/>
+                  <a:pt x="1165601" y="1370405"/>
+                  <a:pt x="1031858" y="1370405"/>
+                </a:cubicBezTo>
+                <a:cubicBezTo>
+                  <a:pt x="950450" y="1370405"/>
+                  <a:pt x="1072563" y="1273083"/>
+                  <a:pt x="1005692" y="1233435"/>
+                </a:cubicBezTo>
+                <a:cubicBezTo>
+                  <a:pt x="991154" y="1222621"/>
+                  <a:pt x="1046396" y="1208203"/>
+                  <a:pt x="1069655" y="1211808"/>
+                </a:cubicBezTo>
+                <a:cubicBezTo>
+                  <a:pt x="1092915" y="1215412"/>
+                  <a:pt x="1113268" y="1240644"/>
+                  <a:pt x="1142342" y="1222621"/>
+                </a:cubicBezTo>
+                <a:cubicBezTo>
+                  <a:pt x="1156879" y="1157741"/>
+                  <a:pt x="1119082" y="1132510"/>
+                  <a:pt x="1084193" y="1114487"/>
+                </a:cubicBezTo>
+                <a:cubicBezTo>
+                  <a:pt x="1008599" y="1071234"/>
+                  <a:pt x="933005" y="1020771"/>
+                  <a:pt x="848689" y="1006353"/>
+                </a:cubicBezTo>
+                <a:cubicBezTo>
+                  <a:pt x="819615" y="1002748"/>
+                  <a:pt x="802169" y="984726"/>
+                  <a:pt x="805077" y="948681"/>
+                </a:cubicBezTo>
+                <a:cubicBezTo>
+                  <a:pt x="810892" y="901822"/>
+                  <a:pt x="839967" y="916240"/>
+                  <a:pt x="863226" y="919844"/>
+                </a:cubicBezTo>
+                <a:cubicBezTo>
+                  <a:pt x="877764" y="923450"/>
+                  <a:pt x="892301" y="934263"/>
+                  <a:pt x="906838" y="909031"/>
+                </a:cubicBezTo>
+                <a:cubicBezTo>
+                  <a:pt x="566666" y="653113"/>
+                  <a:pt x="386404" y="667532"/>
+                  <a:pt x="5527" y="458471"/>
+                </a:cubicBezTo>
+                <a:cubicBezTo>
+                  <a:pt x="89843" y="418822"/>
+                  <a:pt x="150900" y="447658"/>
+                  <a:pt x="209049" y="454867"/>
+                </a:cubicBezTo>
+                <a:cubicBezTo>
+                  <a:pt x="354422" y="472890"/>
+                  <a:pt x="264290" y="505329"/>
+                  <a:pt x="409664" y="526956"/>
+                </a:cubicBezTo>
+                <a:cubicBezTo>
+                  <a:pt x="479443" y="537770"/>
+                  <a:pt x="543407" y="573815"/>
+                  <a:pt x="621908" y="516143"/>
+                </a:cubicBezTo>
+                <a:cubicBezTo>
+                  <a:pt x="674242" y="476494"/>
+                  <a:pt x="758558" y="519747"/>
+                  <a:pt x="822522" y="552188"/>
+                </a:cubicBezTo>
+                <a:cubicBezTo>
+                  <a:pt x="874856" y="581024"/>
+                  <a:pt x="927190" y="588232"/>
+                  <a:pt x="996969" y="552188"/>
+                </a:cubicBezTo>
+                <a:cubicBezTo>
+                  <a:pt x="933005" y="530562"/>
+                  <a:pt x="883579" y="512539"/>
+                  <a:pt x="834151" y="498120"/>
+                </a:cubicBezTo>
+                <a:cubicBezTo>
+                  <a:pt x="793447" y="487307"/>
+                  <a:pt x="770187" y="462076"/>
+                  <a:pt x="773095" y="408008"/>
+                </a:cubicBezTo>
+                <a:cubicBezTo>
+                  <a:pt x="773095" y="379172"/>
+                  <a:pt x="764373" y="339523"/>
+                  <a:pt x="793447" y="325106"/>
+                </a:cubicBezTo>
+                <a:cubicBezTo>
+                  <a:pt x="816707" y="310688"/>
+                  <a:pt x="848689" y="325106"/>
+                  <a:pt x="860319" y="350336"/>
+                </a:cubicBezTo>
+                <a:cubicBezTo>
+                  <a:pt x="874856" y="397195"/>
+                  <a:pt x="889393" y="440449"/>
+                  <a:pt x="938820" y="444054"/>
+                </a:cubicBezTo>
+                <a:cubicBezTo>
+                  <a:pt x="1005692" y="451262"/>
+                  <a:pt x="967894" y="422426"/>
+                  <a:pt x="956265" y="386381"/>
+                </a:cubicBezTo>
+                <a:cubicBezTo>
+                  <a:pt x="944635" y="346733"/>
+                  <a:pt x="979525" y="335919"/>
+                  <a:pt x="1002784" y="343127"/>
+                </a:cubicBezTo>
+                <a:cubicBezTo>
+                  <a:pt x="1090008" y="375569"/>
+                  <a:pt x="1180139" y="317897"/>
+                  <a:pt x="1270270" y="364755"/>
+                </a:cubicBezTo>
+                <a:cubicBezTo>
+                  <a:pt x="1247011" y="249411"/>
+                  <a:pt x="1197583" y="198949"/>
+                  <a:pt x="1092915" y="180926"/>
+                </a:cubicBezTo>
+                <a:cubicBezTo>
+                  <a:pt x="1055118" y="177322"/>
+                  <a:pt x="1014414" y="184530"/>
+                  <a:pt x="979525" y="152090"/>
+                </a:cubicBezTo>
+                <a:cubicBezTo>
+                  <a:pt x="959172" y="134068"/>
+                  <a:pt x="938820" y="112441"/>
+                  <a:pt x="953358" y="76396"/>
+                </a:cubicBezTo>
+                <a:cubicBezTo>
+                  <a:pt x="962080" y="51165"/>
+                  <a:pt x="985339" y="51165"/>
+                  <a:pt x="1005692" y="58373"/>
+                </a:cubicBezTo>
+                <a:cubicBezTo>
+                  <a:pt x="1090008" y="98023"/>
+                  <a:pt x="1180139" y="108837"/>
+                  <a:pt x="1267362" y="123254"/>
+                </a:cubicBezTo>
+                <a:cubicBezTo>
+                  <a:pt x="1281900" y="126859"/>
+                  <a:pt x="1296437" y="134068"/>
+                  <a:pt x="1310975" y="98023"/>
+                </a:cubicBezTo>
+                <a:cubicBezTo>
+                  <a:pt x="1260095" y="81803"/>
+                  <a:pt x="1209941" y="62879"/>
+                  <a:pt x="1159787" y="43505"/>
+                </a:cubicBezTo>
+                <a:close/>
+              </a:path>
+            </a:pathLst>
+          </a:custGeom>
+        </p:spPr>
+      </p:pic>
+    </p:spTree>
+    <p:extLst>
+      <p:ext uri="{BB962C8B-B14F-4D97-AF65-F5344CB8AC3E}">
+        <p14:creationId xmlns:p14="http://schemas.microsoft.com/office/powerpoint/2010/main" val="788304135"/>
+      </p:ext>
+    </p:extLst>
+  </p:cSld>
+  <p:clrMapOvr>
+    <a:masterClrMapping/>
+  </p:clrMapOvr>
+</p:sld>
+</file>
+
+<file path=ppt/slides/slide6.xml><?xml version="1.0" encoding="utf-8"?>
+<p:sld xmlns:a="http://schemas.openxmlformats.org/drawingml/2006/main" xmlns:r="http://schemas.openxmlformats.org/officeDocument/2006/relationships" xmlns:p="http://schemas.openxmlformats.org/presentationml/2006/main">
+  <p:cSld>
+    <p:bg>
+      <p:bgPr>
+        <a:solidFill>
+          <a:schemeClr val="bg2"/>
+        </a:solidFill>
+        <a:effectLst/>
+      </p:bgPr>
+    </p:bg>
+    <p:spTree>
+      <p:nvGrpSpPr>
+        <p:cNvPr id="1" name=""/>
+        <p:cNvGrpSpPr/>
+        <p:nvPr/>
+      </p:nvGrpSpPr>
+      <p:grpSpPr>
+        <a:xfrm>
+          <a:off x="0" y="0"/>
+          <a:ext cx="0" cy="0"/>
+          <a:chOff x="0" y="0"/>
+          <a:chExt cx="0" cy="0"/>
+        </a:xfrm>
+      </p:grpSpPr>
+      <p:sp>
+        <p:nvSpPr>
+          <p:cNvPr id="10" name="Rectangle 9">
+            <a:extLst>
+              <a:ext uri="{FF2B5EF4-FFF2-40B4-BE49-F238E27FC236}">
+                <a16:creationId xmlns:a16="http://schemas.microsoft.com/office/drawing/2014/main" id="{16C5FA50-8D52-4617-AF91-5C7B1C8352F1}"/>
+              </a:ext>
+              <a:ext uri="{C183D7F6-B498-43B3-948B-1728B52AA6E4}">
+                <adec:decorative xmlns:adec="http://schemas.microsoft.com/office/drawing/2017/decorative" val="1"/>
+              </a:ext>
+            </a:extLst>
+          </p:cNvPr>
+          <p:cNvSpPr>
+            <a:spLocks noGrp="1" noRot="1" noChangeAspect="1" noMove="1" noResize="1" noEditPoints="1" noAdjustHandles="1" noChangeArrowheads="1" noChangeShapeType="1" noTextEdit="1"/>
+          </p:cNvSpPr>
+          <p:nvPr>
+            <p:extLst>
+              <p:ext uri="{386F3935-93C4-4BCD-93E2-E3B085C9AB24}">
+                <p16:designElem xmlns:p16="http://schemas.microsoft.com/office/powerpoint/2015/main" val="1"/>
+              </p:ext>
+            </p:extLst>
+          </p:nvPr>
+        </p:nvSpPr>
+        <p:spPr>
+          <a:xfrm>
+            <a:off x="0" y="0"/>
+            <a:ext cx="12192000" cy="6858000"/>
+          </a:xfrm>
+          <a:prstGeom prst="rect">
+            <a:avLst/>
+          </a:prstGeom>
+          <a:solidFill>
+            <a:srgbClr val="825247"/>
+          </a:solidFill>
+          <a:ln>
+            <a:noFill/>
+          </a:ln>
+        </p:spPr>
+        <p:style>
+          <a:lnRef idx="2">
+            <a:schemeClr val="accent1">
+              <a:shade val="50000"/>
+            </a:schemeClr>
+          </a:lnRef>
+          <a:fillRef idx="1">
+            <a:schemeClr val="accent1"/>
+          </a:fillRef>
+          <a:effectRef idx="0">
+            <a:schemeClr val="accent1"/>
+          </a:effectRef>
+          <a:fontRef idx="minor">
+            <a:schemeClr val="lt1"/>
+          </a:fontRef>
+        </p:style>
+        <p:txBody>
+          <a:bodyPr rtlCol="0" anchor="ctr"/>
+          <a:lstStyle/>
+          <a:p>
+            <a:pPr algn="ctr"/>
+            <a:endParaRPr lang="en-US"/>
+          </a:p>
+        </p:txBody>
+      </p:sp>
+      <p:sp>
+        <p:nvSpPr>
+          <p:cNvPr id="2" name="Title 1">
+            <a:extLst>
+              <a:ext uri="{FF2B5EF4-FFF2-40B4-BE49-F238E27FC236}">
+                <a16:creationId xmlns:a16="http://schemas.microsoft.com/office/drawing/2014/main" id="{E5C1653C-BD1E-C3C3-C28A-819B95F80149}"/>
+              </a:ext>
+            </a:extLst>
+          </p:cNvPr>
+          <p:cNvSpPr>
+            <a:spLocks noGrp="1"/>
+          </p:cNvSpPr>
+          <p:nvPr>
+            <p:ph type="title"/>
+          </p:nvPr>
+        </p:nvSpPr>
+        <p:spPr>
+          <a:xfrm>
+            <a:off x="9093496" y="618681"/>
+            <a:ext cx="2613872" cy="4794567"/>
+          </a:xfrm>
+        </p:spPr>
+        <p:txBody>
+          <a:bodyPr vert="horz" lIns="91440" tIns="45720" rIns="91440" bIns="45720" rtlCol="0" anchor="ctr">
+            <a:normAutofit fontScale="90000"/>
+          </a:bodyPr>
+          <a:lstStyle/>
+          <a:p>
+            <a:r>
+              <a:rPr lang="en-US" sz="3300" dirty="0">
+                <a:solidFill>
+                  <a:srgbClr val="FFFFFF"/>
+                </a:solidFill>
+              </a:rPr>
+              <a:t>This </a:t>
+            </a:r>
+            <a:r>
+              <a:rPr lang="en-US" sz="3300" dirty="0" err="1">
+                <a:solidFill>
+                  <a:srgbClr val="FFFFFF"/>
+                </a:solidFill>
+              </a:rPr>
+              <a:t>notmal</a:t>
+            </a:r>
+            <a:r>
+              <a:rPr lang="en-US" sz="3300" dirty="0">
+                <a:solidFill>
+                  <a:srgbClr val="FFFFFF"/>
+                </a:solidFill>
+              </a:rPr>
+              <a:t> map was used in the production of the pillars to </a:t>
+            </a:r>
+            <a:r>
+              <a:rPr lang="en-US" sz="3300" dirty="0" err="1">
+                <a:solidFill>
+                  <a:srgbClr val="FFFFFF"/>
+                </a:solidFill>
+              </a:rPr>
+              <a:t>guve</a:t>
+            </a:r>
+            <a:r>
+              <a:rPr lang="en-US" sz="3300" dirty="0">
+                <a:solidFill>
+                  <a:srgbClr val="FFFFFF"/>
+                </a:solidFill>
+              </a:rPr>
+              <a:t> them a sense of dept, it was generated in adobe photoshop. (it is the only normal map used in my assessment. </a:t>
+            </a:r>
+          </a:p>
+        </p:txBody>
+      </p:sp>
+      <p:sp>
+        <p:nvSpPr>
+          <p:cNvPr id="12" name="Rounded Rectangle 9">
+            <a:extLst>
+              <a:ext uri="{FF2B5EF4-FFF2-40B4-BE49-F238E27FC236}">
+                <a16:creationId xmlns:a16="http://schemas.microsoft.com/office/drawing/2014/main" id="{E223798C-12AD-4B0C-A50C-D676347D67CF}"/>
+              </a:ext>
+              <a:ext uri="{C183D7F6-B498-43B3-948B-1728B52AA6E4}">
+                <adec:decorative xmlns:adec="http://schemas.microsoft.com/office/drawing/2017/decorative" val="1"/>
+              </a:ext>
+            </a:extLst>
+          </p:cNvPr>
+          <p:cNvSpPr>
+            <a:spLocks noGrp="1" noRot="1" noChangeAspect="1" noMove="1" noResize="1" noEditPoints="1" noAdjustHandles="1" noChangeArrowheads="1" noChangeShapeType="1" noTextEdit="1"/>
+          </p:cNvSpPr>
+          <p:nvPr>
+            <p:extLst>
+              <p:ext uri="{386F3935-93C4-4BCD-93E2-E3B085C9AB24}">
+                <p16:designElem xmlns:p16="http://schemas.microsoft.com/office/powerpoint/2015/main" val="1"/>
+              </p:ext>
+            </p:extLst>
+          </p:nvPr>
+        </p:nvSpPr>
+        <p:spPr>
+          <a:xfrm>
+            <a:off x="493354" y="484632"/>
+            <a:ext cx="8129016" cy="5724144"/>
+          </a:xfrm>
+          <a:prstGeom prst="roundRect">
+            <a:avLst>
+              <a:gd name="adj" fmla="val 0"/>
+            </a:avLst>
+          </a:prstGeom>
+          <a:solidFill>
+            <a:srgbClr val="FFFFFF"/>
+          </a:solidFill>
+          <a:ln w="9525">
+            <a:solidFill>
+              <a:srgbClr val="C8CACA"/>
+            </a:solidFill>
+          </a:ln>
+          <a:effectLst>
+            <a:outerShdw blurRad="57150" dist="19050" dir="5400000" algn="t" rotWithShape="0">
+              <a:prstClr val="black">
+                <a:alpha val="63000"/>
+              </a:prstClr>
+            </a:outerShdw>
+          </a:effectLst>
+        </p:spPr>
+        <p:style>
+          <a:lnRef idx="2">
+            <a:schemeClr val="accent1">
+              <a:shade val="50000"/>
+            </a:schemeClr>
+          </a:lnRef>
+          <a:fillRef idx="1">
+            <a:schemeClr val="accent1"/>
+          </a:fillRef>
+          <a:effectRef idx="0">
+            <a:schemeClr val="accent1"/>
+          </a:effectRef>
+          <a:fontRef idx="minor">
+            <a:schemeClr val="lt1"/>
+          </a:fontRef>
+        </p:style>
+        <p:txBody>
+          <a:bodyPr rtlCol="0" anchor="ctr"/>
+          <a:lstStyle/>
+          <a:p>
+            <a:pPr algn="ctr"/>
+            <a:endParaRPr lang="en-US"/>
+          </a:p>
+        </p:txBody>
+      </p:sp>
+      <p:pic>
+        <p:nvPicPr>
+          <p:cNvPr id="5" name="Content Placeholder 4" descr="A screenshot of a computer&#10;&#10;Description automatically generated">
+            <a:extLst>
+              <a:ext uri="{FF2B5EF4-FFF2-40B4-BE49-F238E27FC236}">
+                <a16:creationId xmlns:a16="http://schemas.microsoft.com/office/drawing/2014/main" id="{C33D0D94-7F50-845E-F557-A63A4E4F78B8}"/>
+              </a:ext>
+            </a:extLst>
+          </p:cNvPr>
+          <p:cNvPicPr>
+            <a:picLocks noGrp="1" noChangeAspect="1"/>
+          </p:cNvPicPr>
+          <p:nvPr>
+            <p:ph idx="1"/>
+          </p:nvPr>
+        </p:nvPicPr>
+        <p:blipFill rotWithShape="1">
+          <a:blip r:embed="rId2">
+            <a:extLst>
+              <a:ext uri="{28A0092B-C50C-407E-A947-70E740481C1C}">
+                <a14:useLocalDpi xmlns:a14="http://schemas.microsoft.com/office/drawing/2010/main" val="0"/>
+              </a:ext>
+            </a:extLst>
+          </a:blip>
+          <a:srcRect l="14254" r="11630" b="-2"/>
+          <a:stretch/>
+        </p:blipFill>
+        <p:spPr>
+          <a:xfrm>
+            <a:off x="976251" y="942538"/>
+            <a:ext cx="7163222" cy="4808332"/>
+          </a:xfrm>
+          <a:prstGeom prst="rect">
+            <a:avLst/>
+          </a:prstGeom>
+          <a:effectLst/>
+        </p:spPr>
+      </p:pic>
+    </p:spTree>
+    <p:extLst>
+      <p:ext uri="{BB962C8B-B14F-4D97-AF65-F5344CB8AC3E}">
+        <p14:creationId xmlns:p14="http://schemas.microsoft.com/office/powerpoint/2010/main" val="4106293668"/>
+      </p:ext>
+    </p:extLst>
+  </p:cSld>
+  <p:clrMapOvr>
+    <a:masterClrMapping/>
+  </p:clrMapOvr>
+</p:sld>
+</file>
+
+<file path=ppt/slides/slide7.xml><?xml version="1.0" encoding="utf-8"?>
+<p:sld xmlns:a="http://schemas.openxmlformats.org/drawingml/2006/main" xmlns:r="http://schemas.openxmlformats.org/officeDocument/2006/relationships" xmlns:p="http://schemas.openxmlformats.org/presentationml/2006/main">
+  <p:cSld>
     <p:spTree>
       <p:nvGrpSpPr>
         <p:cNvPr id="1" name=""/>
@@ -8531,7 +10430,7 @@
           <p:cNvPr id="2" name="Title 1">
             <a:extLst>
               <a:ext uri="{FF2B5EF4-FFF2-40B4-BE49-F238E27FC236}">
-                <a16:creationId xmlns:a16="http://schemas.microsoft.com/office/drawing/2014/main" id="{9D80A4D5-B128-4A8F-8F2C-1645967C634F}"/>
+                <a16:creationId xmlns:a16="http://schemas.microsoft.com/office/drawing/2014/main" id="{734AB395-B591-8ED9-1BD5-76E2615AC72E}"/>
               </a:ext>
             </a:extLst>
           </p:cNvPr>
@@ -8549,8 +10448,9 @@
           <a:p>
             <a:r>
               <a:rPr lang="en-GB" dirty="0"/>
-              <a:t>Concept art for characters</a:t>
+              <a:t>Animation.</a:t>
             </a:r>
+            <a:endParaRPr lang="en-US" dirty="0"/>
           </a:p>
         </p:txBody>
       </p:sp>
@@ -8559,7 +10459,7 @@
           <p:cNvPr id="3" name="Content Placeholder 2">
             <a:extLst>
               <a:ext uri="{FF2B5EF4-FFF2-40B4-BE49-F238E27FC236}">
-                <a16:creationId xmlns:a16="http://schemas.microsoft.com/office/drawing/2014/main" id="{9EACC3E7-DA7E-485F-8592-A70E6AB0090E}"/>
+                <a16:creationId xmlns:a16="http://schemas.microsoft.com/office/drawing/2014/main" id="{BA84FAB7-E637-0CB6-A41A-44C1AEBDC09A}"/>
               </a:ext>
             </a:extLst>
           </p:cNvPr>
@@ -8575,14 +10475,30 @@
           <a:bodyPr/>
           <a:lstStyle/>
           <a:p>
-            <a:endParaRPr lang="en-GB" dirty="0"/>
+            <a:r>
+              <a:rPr lang="en-GB" dirty="0"/>
+              <a:t>The process involved in the animation would be talked about in the </a:t>
+            </a:r>
+            <a:r>
+              <a:rPr lang="en-GB" dirty="0" err="1"/>
+              <a:t>youtube</a:t>
+            </a:r>
+            <a:r>
+              <a:rPr lang="en-GB" dirty="0"/>
+              <a:t> </a:t>
+            </a:r>
+            <a:r>
+              <a:rPr lang="en-GB"/>
+              <a:t>demo.s</a:t>
+            </a:r>
+            <a:endParaRPr lang="en-US" dirty="0"/>
           </a:p>
         </p:txBody>
       </p:sp>
     </p:spTree>
     <p:extLst>
       <p:ext uri="{BB962C8B-B14F-4D97-AF65-F5344CB8AC3E}">
-        <p14:creationId xmlns:p14="http://schemas.microsoft.com/office/powerpoint/2010/main" val="693924984"/>
+        <p14:creationId xmlns:p14="http://schemas.microsoft.com/office/powerpoint/2010/main" val="2118479592"/>
       </p:ext>
     </p:extLst>
   </p:cSld>
